--- a/powerpoint/4_Shell_scripting.pptx
+++ b/powerpoint/4_Shell_scripting.pptx
@@ -277,7 +277,7 @@
           <a:p>
             <a:fld id="{2244AFD0-6711-41F1-97ED-53C99FBC28F0}" type="datetimeFigureOut">
               <a:rPr lang="en-GB" smtClean="0"/>
-              <a:t>22/09/2020</a:t>
+              <a:t>05/10/2020</a:t>
             </a:fld>
             <a:endParaRPr lang="en-GB"/>
           </a:p>
@@ -477,7 +477,7 @@
           <a:p>
             <a:fld id="{2244AFD0-6711-41F1-97ED-53C99FBC28F0}" type="datetimeFigureOut">
               <a:rPr lang="en-GB" smtClean="0"/>
-              <a:t>22/09/2020</a:t>
+              <a:t>05/10/2020</a:t>
             </a:fld>
             <a:endParaRPr lang="en-GB"/>
           </a:p>
@@ -687,7 +687,7 @@
           <a:p>
             <a:fld id="{2244AFD0-6711-41F1-97ED-53C99FBC28F0}" type="datetimeFigureOut">
               <a:rPr lang="en-GB" smtClean="0"/>
-              <a:t>22/09/2020</a:t>
+              <a:t>05/10/2020</a:t>
             </a:fld>
             <a:endParaRPr lang="en-GB"/>
           </a:p>
@@ -887,7 +887,7 @@
           <a:p>
             <a:fld id="{2244AFD0-6711-41F1-97ED-53C99FBC28F0}" type="datetimeFigureOut">
               <a:rPr lang="en-GB" smtClean="0"/>
-              <a:t>22/09/2020</a:t>
+              <a:t>05/10/2020</a:t>
             </a:fld>
             <a:endParaRPr lang="en-GB"/>
           </a:p>
@@ -1163,7 +1163,7 @@
           <a:p>
             <a:fld id="{2244AFD0-6711-41F1-97ED-53C99FBC28F0}" type="datetimeFigureOut">
               <a:rPr lang="en-GB" smtClean="0"/>
-              <a:t>22/09/2020</a:t>
+              <a:t>05/10/2020</a:t>
             </a:fld>
             <a:endParaRPr lang="en-GB"/>
           </a:p>
@@ -1431,7 +1431,7 @@
           <a:p>
             <a:fld id="{2244AFD0-6711-41F1-97ED-53C99FBC28F0}" type="datetimeFigureOut">
               <a:rPr lang="en-GB" smtClean="0"/>
-              <a:t>22/09/2020</a:t>
+              <a:t>05/10/2020</a:t>
             </a:fld>
             <a:endParaRPr lang="en-GB"/>
           </a:p>
@@ -1846,7 +1846,7 @@
           <a:p>
             <a:fld id="{2244AFD0-6711-41F1-97ED-53C99FBC28F0}" type="datetimeFigureOut">
               <a:rPr lang="en-GB" smtClean="0"/>
-              <a:t>22/09/2020</a:t>
+              <a:t>05/10/2020</a:t>
             </a:fld>
             <a:endParaRPr lang="en-GB"/>
           </a:p>
@@ -1988,7 +1988,7 @@
           <a:p>
             <a:fld id="{2244AFD0-6711-41F1-97ED-53C99FBC28F0}" type="datetimeFigureOut">
               <a:rPr lang="en-GB" smtClean="0"/>
-              <a:t>22/09/2020</a:t>
+              <a:t>05/10/2020</a:t>
             </a:fld>
             <a:endParaRPr lang="en-GB"/>
           </a:p>
@@ -2101,7 +2101,7 @@
           <a:p>
             <a:fld id="{2244AFD0-6711-41F1-97ED-53C99FBC28F0}" type="datetimeFigureOut">
               <a:rPr lang="en-GB" smtClean="0"/>
-              <a:t>22/09/2020</a:t>
+              <a:t>05/10/2020</a:t>
             </a:fld>
             <a:endParaRPr lang="en-GB"/>
           </a:p>
@@ -2414,7 +2414,7 @@
           <a:p>
             <a:fld id="{2244AFD0-6711-41F1-97ED-53C99FBC28F0}" type="datetimeFigureOut">
               <a:rPr lang="en-GB" smtClean="0"/>
-              <a:t>22/09/2020</a:t>
+              <a:t>05/10/2020</a:t>
             </a:fld>
             <a:endParaRPr lang="en-GB"/>
           </a:p>
@@ -2703,7 +2703,7 @@
           <a:p>
             <a:fld id="{2244AFD0-6711-41F1-97ED-53C99FBC28F0}" type="datetimeFigureOut">
               <a:rPr lang="en-GB" smtClean="0"/>
-              <a:t>22/09/2020</a:t>
+              <a:t>05/10/2020</a:t>
             </a:fld>
             <a:endParaRPr lang="en-GB"/>
           </a:p>
@@ -2946,7 +2946,7 @@
           <a:p>
             <a:fld id="{2244AFD0-6711-41F1-97ED-53C99FBC28F0}" type="datetimeFigureOut">
               <a:rPr lang="en-GB" smtClean="0"/>
-              <a:t>22/09/2020</a:t>
+              <a:t>05/10/2020</a:t>
             </a:fld>
             <a:endParaRPr lang="en-GB"/>
           </a:p>
@@ -3434,7 +3434,11 @@
           </a:p>
           <a:p>
             <a:r>
-              <a:rPr lang="en-GB" dirty="0"/>
+              <a:rPr lang="en-GB" dirty="0">
+                <a:solidFill>
+                  <a:srgbClr val="FF0000"/>
+                </a:solidFill>
+              </a:rPr>
               <a:t>QC -&gt; quality trim -&gt; QC -&gt; assembly -&gt; assembly stats -&gt; gene prediction</a:t>
             </a:r>
           </a:p>
@@ -4843,8 +4847,14 @@
           <p:nvPr/>
         </p:nvPicPr>
         <p:blipFill rotWithShape="1">
-          <a:blip r:embed="rId3"/>
-          <a:srcRect l="50987" t="19845" r="39276" b="65750"/>
+          <a:blip r:embed="rId3">
+            <a:extLst>
+              <a:ext uri="{28A0092B-C50C-407E-A947-70E740481C1C}">
+                <a14:useLocalDpi xmlns:a14="http://schemas.microsoft.com/office/drawing/2010/main" val="0"/>
+              </a:ext>
+            </a:extLst>
+          </a:blip>
+          <a:srcRect/>
           <a:stretch/>
         </p:blipFill>
         <p:spPr>
@@ -5111,7 +5121,7 @@
               </a:ext>
             </a:extLst>
           </a:blip>
-          <a:srcRect l="5247"/>
+          <a:srcRect/>
           <a:stretch/>
         </p:blipFill>
         <p:spPr>
@@ -6128,23 +6138,7 @@
                   <a:srgbClr val="0070C0"/>
                 </a:solidFill>
               </a:rPr>
-              <a:t>        cd /storage/home/users/${USER}/</a:t>
-            </a:r>
-            <a:r>
-              <a:rPr lang="en-GB" dirty="0" err="1">
-                <a:solidFill>
-                  <a:srgbClr val="0070C0"/>
-                </a:solidFill>
-              </a:rPr>
-              <a:t>ngs</a:t>
-            </a:r>
-            <a:r>
-              <a:rPr lang="en-GB" dirty="0">
-                <a:solidFill>
-                  <a:srgbClr val="0070C0"/>
-                </a:solidFill>
-              </a:rPr>
-              <a:t>/</a:t>
+              <a:t>        cd ./</a:t>
             </a:r>
             <a:r>
               <a:rPr lang="en-GB" dirty="0" err="1">

--- a/powerpoint/4_Shell_scripting.pptx
+++ b/powerpoint/4_Shell_scripting.pptx
@@ -9,19 +9,20 @@
     <p:sldId id="268" r:id="rId3"/>
     <p:sldId id="270" r:id="rId4"/>
     <p:sldId id="283" r:id="rId5"/>
-    <p:sldId id="284" r:id="rId6"/>
-    <p:sldId id="327" r:id="rId7"/>
-    <p:sldId id="300" r:id="rId8"/>
-    <p:sldId id="272" r:id="rId9"/>
-    <p:sldId id="288" r:id="rId10"/>
-    <p:sldId id="315" r:id="rId11"/>
-    <p:sldId id="273" r:id="rId12"/>
-    <p:sldId id="328" r:id="rId13"/>
-    <p:sldId id="329" r:id="rId14"/>
-    <p:sldId id="325" r:id="rId15"/>
-    <p:sldId id="330" r:id="rId16"/>
-    <p:sldId id="331" r:id="rId17"/>
-    <p:sldId id="332" r:id="rId18"/>
+    <p:sldId id="265" r:id="rId6"/>
+    <p:sldId id="266" r:id="rId7"/>
+    <p:sldId id="267" r:id="rId8"/>
+    <p:sldId id="327" r:id="rId9"/>
+    <p:sldId id="300" r:id="rId10"/>
+    <p:sldId id="272" r:id="rId11"/>
+    <p:sldId id="288" r:id="rId12"/>
+    <p:sldId id="315" r:id="rId13"/>
+    <p:sldId id="273" r:id="rId14"/>
+    <p:sldId id="329" r:id="rId15"/>
+    <p:sldId id="325" r:id="rId16"/>
+    <p:sldId id="330" r:id="rId17"/>
+    <p:sldId id="331" r:id="rId18"/>
+    <p:sldId id="332" r:id="rId19"/>
   </p:sldIdLst>
   <p:sldSz cx="12192000" cy="6858000"/>
   <p:notesSz cx="6858000" cy="9144000"/>
@@ -277,7 +278,7 @@
           <a:p>
             <a:fld id="{2244AFD0-6711-41F1-97ED-53C99FBC28F0}" type="datetimeFigureOut">
               <a:rPr lang="en-GB" smtClean="0"/>
-              <a:t>05/10/2020</a:t>
+              <a:t>21/09/2022</a:t>
             </a:fld>
             <a:endParaRPr lang="en-GB"/>
           </a:p>
@@ -477,7 +478,7 @@
           <a:p>
             <a:fld id="{2244AFD0-6711-41F1-97ED-53C99FBC28F0}" type="datetimeFigureOut">
               <a:rPr lang="en-GB" smtClean="0"/>
-              <a:t>05/10/2020</a:t>
+              <a:t>21/09/2022</a:t>
             </a:fld>
             <a:endParaRPr lang="en-GB"/>
           </a:p>
@@ -687,7 +688,7 @@
           <a:p>
             <a:fld id="{2244AFD0-6711-41F1-97ED-53C99FBC28F0}" type="datetimeFigureOut">
               <a:rPr lang="en-GB" smtClean="0"/>
-              <a:t>05/10/2020</a:t>
+              <a:t>21/09/2022</a:t>
             </a:fld>
             <a:endParaRPr lang="en-GB"/>
           </a:p>
@@ -887,7 +888,7 @@
           <a:p>
             <a:fld id="{2244AFD0-6711-41F1-97ED-53C99FBC28F0}" type="datetimeFigureOut">
               <a:rPr lang="en-GB" smtClean="0"/>
-              <a:t>05/10/2020</a:t>
+              <a:t>21/09/2022</a:t>
             </a:fld>
             <a:endParaRPr lang="en-GB"/>
           </a:p>
@@ -1163,7 +1164,7 @@
           <a:p>
             <a:fld id="{2244AFD0-6711-41F1-97ED-53C99FBC28F0}" type="datetimeFigureOut">
               <a:rPr lang="en-GB" smtClean="0"/>
-              <a:t>05/10/2020</a:t>
+              <a:t>21/09/2022</a:t>
             </a:fld>
             <a:endParaRPr lang="en-GB"/>
           </a:p>
@@ -1431,7 +1432,7 @@
           <a:p>
             <a:fld id="{2244AFD0-6711-41F1-97ED-53C99FBC28F0}" type="datetimeFigureOut">
               <a:rPr lang="en-GB" smtClean="0"/>
-              <a:t>05/10/2020</a:t>
+              <a:t>21/09/2022</a:t>
             </a:fld>
             <a:endParaRPr lang="en-GB"/>
           </a:p>
@@ -1846,7 +1847,7 @@
           <a:p>
             <a:fld id="{2244AFD0-6711-41F1-97ED-53C99FBC28F0}" type="datetimeFigureOut">
               <a:rPr lang="en-GB" smtClean="0"/>
-              <a:t>05/10/2020</a:t>
+              <a:t>21/09/2022</a:t>
             </a:fld>
             <a:endParaRPr lang="en-GB"/>
           </a:p>
@@ -1988,7 +1989,7 @@
           <a:p>
             <a:fld id="{2244AFD0-6711-41F1-97ED-53C99FBC28F0}" type="datetimeFigureOut">
               <a:rPr lang="en-GB" smtClean="0"/>
-              <a:t>05/10/2020</a:t>
+              <a:t>21/09/2022</a:t>
             </a:fld>
             <a:endParaRPr lang="en-GB"/>
           </a:p>
@@ -2101,7 +2102,7 @@
           <a:p>
             <a:fld id="{2244AFD0-6711-41F1-97ED-53C99FBC28F0}" type="datetimeFigureOut">
               <a:rPr lang="en-GB" smtClean="0"/>
-              <a:t>05/10/2020</a:t>
+              <a:t>21/09/2022</a:t>
             </a:fld>
             <a:endParaRPr lang="en-GB"/>
           </a:p>
@@ -2414,7 +2415,7 @@
           <a:p>
             <a:fld id="{2244AFD0-6711-41F1-97ED-53C99FBC28F0}" type="datetimeFigureOut">
               <a:rPr lang="en-GB" smtClean="0"/>
-              <a:t>05/10/2020</a:t>
+              <a:t>21/09/2022</a:t>
             </a:fld>
             <a:endParaRPr lang="en-GB"/>
           </a:p>
@@ -2703,7 +2704,7 @@
           <a:p>
             <a:fld id="{2244AFD0-6711-41F1-97ED-53C99FBC28F0}" type="datetimeFigureOut">
               <a:rPr lang="en-GB" smtClean="0"/>
-              <a:t>05/10/2020</a:t>
+              <a:t>21/09/2022</a:t>
             </a:fld>
             <a:endParaRPr lang="en-GB"/>
           </a:p>
@@ -2946,7 +2947,7 @@
           <a:p>
             <a:fld id="{2244AFD0-6711-41F1-97ED-53C99FBC28F0}" type="datetimeFigureOut">
               <a:rPr lang="en-GB" smtClean="0"/>
-              <a:t>05/10/2020</a:t>
+              <a:t>21/09/2022</a:t>
             </a:fld>
             <a:endParaRPr lang="en-GB"/>
           </a:p>
@@ -3504,8 +3505,8 @@
         </p:nvSpPr>
         <p:spPr>
           <a:xfrm>
-            <a:off x="755650" y="0"/>
-            <a:ext cx="10515600" cy="1325563"/>
+            <a:off x="590550" y="102968"/>
+            <a:ext cx="11823700" cy="1325563"/>
           </a:xfrm>
         </p:spPr>
         <p:txBody>
@@ -3557,8 +3558,8 @@
         </p:nvSpPr>
         <p:spPr>
           <a:xfrm>
-            <a:off x="450850" y="1325563"/>
-            <a:ext cx="11207750" cy="5156199"/>
+            <a:off x="216568" y="1411288"/>
+            <a:ext cx="11607132" cy="5156199"/>
           </a:xfrm>
         </p:spPr>
         <p:txBody>
@@ -3566,6 +3567,61 @@
             <a:normAutofit/>
           </a:bodyPr>
           <a:lstStyle/>
+          <a:p>
+            <a:r>
+              <a:rPr lang="en-GB" dirty="0"/>
+              <a:t>Type:</a:t>
+            </a:r>
+          </a:p>
+          <a:p>
+            <a:pPr marL="0" indent="0">
+              <a:buNone/>
+            </a:pPr>
+            <a:r>
+              <a:rPr lang="en-GB" dirty="0">
+                <a:solidFill>
+                  <a:srgbClr val="0070C0"/>
+                </a:solidFill>
+              </a:rPr>
+              <a:t>         </a:t>
+            </a:r>
+            <a:r>
+              <a:rPr lang="en-GB" dirty="0" err="1">
+                <a:solidFill>
+                  <a:srgbClr val="0070C0"/>
+                </a:solidFill>
+              </a:rPr>
+              <a:t>chmod</a:t>
+            </a:r>
+            <a:r>
+              <a:rPr lang="en-GB" dirty="0">
+                <a:solidFill>
+                  <a:srgbClr val="0070C0"/>
+                </a:solidFill>
+              </a:rPr>
+              <a:t> </a:t>
+            </a:r>
+            <a:r>
+              <a:rPr lang="en-GB" dirty="0" err="1">
+                <a:solidFill>
+                  <a:srgbClr val="0070C0"/>
+                </a:solidFill>
+              </a:rPr>
+              <a:t>a+x</a:t>
+            </a:r>
+            <a:r>
+              <a:rPr lang="en-GB" dirty="0">
+                <a:solidFill>
+                  <a:srgbClr val="0070C0"/>
+                </a:solidFill>
+              </a:rPr>
+              <a:t> Example.sh   </a:t>
+            </a:r>
+            <a:r>
+              <a:rPr lang="en-GB" dirty="0"/>
+              <a:t>(if it is not executable it will not run!!!)</a:t>
+            </a:r>
+          </a:p>
           <a:p>
             <a:pPr marL="0" indent="0">
               <a:buNone/>
@@ -3577,10 +3633,75 @@
             </a:endParaRPr>
           </a:p>
           <a:p>
-            <a:r>
-              <a:rPr lang="en-GB" dirty="0"/>
-              <a:t>Now you can run this:</a:t>
-            </a:r>
+            <a:pPr marL="0" indent="0">
+              <a:buNone/>
+            </a:pPr>
+            <a:r>
+              <a:rPr lang="en-GB" dirty="0"/>
+              <a:t>Type</a:t>
+            </a:r>
+            <a:r>
+              <a:rPr lang="en-GB" dirty="0">
+                <a:solidFill>
+                  <a:srgbClr val="0070C0"/>
+                </a:solidFill>
+              </a:rPr>
+              <a:t> </a:t>
+            </a:r>
+          </a:p>
+          <a:p>
+            <a:pPr marL="0" indent="0">
+              <a:buNone/>
+            </a:pPr>
+            <a:r>
+              <a:rPr lang="en-GB" dirty="0">
+                <a:solidFill>
+                  <a:srgbClr val="0070C0"/>
+                </a:solidFill>
+              </a:rPr>
+              <a:t>        ls   </a:t>
+            </a:r>
+            <a:r>
+              <a:rPr lang="en-GB" sz="2400" dirty="0"/>
+              <a:t>(</a:t>
+            </a:r>
+            <a:r>
+              <a:rPr lang="en-GB" sz="2400" dirty="0">
+                <a:solidFill>
+                  <a:srgbClr val="00B050"/>
+                </a:solidFill>
+              </a:rPr>
+              <a:t>executable files are green</a:t>
+            </a:r>
+            <a:r>
+              <a:rPr lang="en-GB" sz="2400" dirty="0"/>
+              <a:t>. </a:t>
+            </a:r>
+            <a:r>
+              <a:rPr lang="en-GB" sz="2400" dirty="0">
+                <a:solidFill>
+                  <a:srgbClr val="FF0000"/>
+                </a:solidFill>
+              </a:rPr>
+              <a:t>Compressed = red</a:t>
+            </a:r>
+            <a:r>
+              <a:rPr lang="en-GB" sz="2400" dirty="0"/>
+              <a:t>. Files = white, </a:t>
+            </a:r>
+            <a:r>
+              <a:rPr lang="en-GB" sz="2400" dirty="0">
+                <a:solidFill>
+                  <a:srgbClr val="002060"/>
+                </a:solidFill>
+              </a:rPr>
+              <a:t>Folders = blue</a:t>
+            </a:r>
+            <a:r>
+              <a:rPr lang="en-GB" sz="2400" dirty="0"/>
+              <a:t>)</a:t>
+            </a:r>
+            <a:endParaRPr lang="en-GB" dirty="0"/>
           </a:p>
           <a:p>
             <a:pPr marL="0" indent="0">
@@ -3591,131 +3712,6 @@
                 <a:srgbClr val="0070C0"/>
               </a:solidFill>
             </a:endParaRPr>
-          </a:p>
-          <a:p>
-            <a:pPr marL="0" indent="0">
-              <a:buNone/>
-            </a:pPr>
-            <a:r>
-              <a:rPr lang="en-GB" dirty="0">
-                <a:solidFill>
-                  <a:srgbClr val="0070C0"/>
-                </a:solidFill>
-              </a:rPr>
-              <a:t>        ./Example.sh  </a:t>
-            </a:r>
-            <a:r>
-              <a:rPr lang="en-GB" dirty="0"/>
-              <a:t>(this dot slash, just means “here”)</a:t>
-            </a:r>
-          </a:p>
-          <a:p>
-            <a:pPr marL="0" indent="0">
-              <a:buNone/>
-            </a:pPr>
-            <a:endParaRPr lang="en-GB" dirty="0">
-              <a:solidFill>
-                <a:srgbClr val="0070C0"/>
-              </a:solidFill>
-            </a:endParaRPr>
-          </a:p>
-          <a:p>
-            <a:r>
-              <a:rPr lang="en-GB" dirty="0"/>
-              <a:t>This should just print “</a:t>
-            </a:r>
-            <a:r>
-              <a:rPr lang="en-GB" i="1" dirty="0"/>
-              <a:t>something</a:t>
-            </a:r>
-            <a:r>
-              <a:rPr lang="en-GB" dirty="0"/>
-              <a:t>” to the screen using the </a:t>
-            </a:r>
-            <a:r>
-              <a:rPr lang="en-GB" dirty="0">
-                <a:solidFill>
-                  <a:srgbClr val="0070C0"/>
-                </a:solidFill>
-              </a:rPr>
-              <a:t>echo</a:t>
-            </a:r>
-            <a:r>
-              <a:rPr lang="en-GB" dirty="0"/>
-              <a:t> command.</a:t>
-            </a:r>
-          </a:p>
-          <a:p>
-            <a:pPr marL="0" indent="0">
-              <a:buNone/>
-            </a:pPr>
-            <a:r>
-              <a:rPr lang="en-GB" dirty="0"/>
-              <a:t>Change this and try again. (to save in </a:t>
-            </a:r>
-            <a:r>
-              <a:rPr lang="en-GB" dirty="0" err="1"/>
-              <a:t>nano</a:t>
-            </a:r>
-            <a:r>
-              <a:rPr lang="en-GB" dirty="0"/>
-              <a:t>: type </a:t>
-            </a:r>
-            <a:r>
-              <a:rPr lang="en-GB" dirty="0">
-                <a:solidFill>
-                  <a:srgbClr val="0070C0"/>
-                </a:solidFill>
-              </a:rPr>
-              <a:t>ctrl x</a:t>
-            </a:r>
-            <a:r>
-              <a:rPr lang="en-GB" dirty="0"/>
-              <a:t>, then </a:t>
-            </a:r>
-            <a:r>
-              <a:rPr lang="en-GB" dirty="0">
-                <a:solidFill>
-                  <a:srgbClr val="0070C0"/>
-                </a:solidFill>
-              </a:rPr>
-              <a:t>y</a:t>
-            </a:r>
-            <a:r>
-              <a:rPr lang="en-GB" dirty="0"/>
-              <a:t> for yes, </a:t>
-            </a:r>
-            <a:r>
-              <a:rPr lang="en-GB" dirty="0">
-                <a:solidFill>
-                  <a:srgbClr val="0070C0"/>
-                </a:solidFill>
-              </a:rPr>
-              <a:t>enter</a:t>
-            </a:r>
-            <a:r>
-              <a:rPr lang="en-GB" dirty="0"/>
-              <a:t>)</a:t>
-            </a:r>
-          </a:p>
-          <a:p>
-            <a:pPr marL="0" indent="0">
-              <a:buNone/>
-            </a:pPr>
-            <a:endParaRPr lang="en-GB" dirty="0"/>
-          </a:p>
-          <a:p>
-            <a:pPr marL="0" indent="0">
-              <a:buNone/>
-            </a:pPr>
-            <a:r>
-              <a:rPr lang="en-GB" dirty="0">
-                <a:solidFill>
-                  <a:srgbClr val="0070C0"/>
-                </a:solidFill>
-              </a:rPr>
-              <a:t>        echo “something in quotes - boom”</a:t>
-            </a:r>
           </a:p>
         </p:txBody>
       </p:sp>
@@ -3769,10 +3765,45 @@
           </a:p>
         </p:txBody>
       </p:sp>
+      <p:pic>
+        <p:nvPicPr>
+          <p:cNvPr id="5" name="Picture 4">
+            <a:extLst>
+              <a:ext uri="{FF2B5EF4-FFF2-40B4-BE49-F238E27FC236}">
+                <a16:creationId xmlns:a16="http://schemas.microsoft.com/office/drawing/2014/main" id="{6070C17A-C359-446D-A1CA-AA0F2A840BCA}"/>
+              </a:ext>
+            </a:extLst>
+          </p:cNvPr>
+          <p:cNvPicPr>
+            <a:picLocks noChangeAspect="1"/>
+          </p:cNvPicPr>
+          <p:nvPr/>
+        </p:nvPicPr>
+        <p:blipFill rotWithShape="1">
+          <a:blip r:embed="rId2">
+            <a:extLst>
+              <a:ext uri="{28A0092B-C50C-407E-A947-70E740481C1C}">
+                <a14:useLocalDpi xmlns:a14="http://schemas.microsoft.com/office/drawing/2010/main" val="0"/>
+              </a:ext>
+            </a:extLst>
+          </a:blip>
+          <a:srcRect/>
+          <a:stretch/>
+        </p:blipFill>
+        <p:spPr>
+          <a:xfrm>
+            <a:off x="2882900" y="4676775"/>
+            <a:ext cx="5222750" cy="2078257"/>
+          </a:xfrm>
+          <a:prstGeom prst="rect">
+            <a:avLst/>
+          </a:prstGeom>
+        </p:spPr>
+      </p:pic>
     </p:spTree>
     <p:extLst>
       <p:ext uri="{BB962C8B-B14F-4D97-AF65-F5344CB8AC3E}">
-        <p14:creationId xmlns:p14="http://schemas.microsoft.com/office/powerpoint/2010/main" val="2322820562"/>
+        <p14:creationId xmlns:p14="http://schemas.microsoft.com/office/powerpoint/2010/main" val="3641070766"/>
       </p:ext>
     </p:extLst>
   </p:cSld>
@@ -3804,7 +3835,7 @@
           <p:cNvPr id="2" name="Title 1">
             <a:extLst>
               <a:ext uri="{FF2B5EF4-FFF2-40B4-BE49-F238E27FC236}">
-                <a16:creationId xmlns:a16="http://schemas.microsoft.com/office/drawing/2014/main" id="{7E03E00C-44CB-43B4-AB72-A0B8C7DC8FC6}"/>
+                <a16:creationId xmlns:a16="http://schemas.microsoft.com/office/drawing/2014/main" id="{8DE746B1-9DCE-476E-96FB-95A6E438B391}"/>
               </a:ext>
             </a:extLst>
           </p:cNvPr>
@@ -3817,8 +3848,8 @@
         </p:nvSpPr>
         <p:spPr>
           <a:xfrm>
-            <a:off x="-1257300" y="-78007"/>
-            <a:ext cx="12954000" cy="1325563"/>
+            <a:off x="0" y="77644"/>
+            <a:ext cx="11353800" cy="1325563"/>
           </a:xfrm>
         </p:spPr>
         <p:txBody>
@@ -3832,200 +3863,52 @@
                   <a:srgbClr val="7030A0"/>
                 </a:solidFill>
               </a:rPr>
-              <a:t>4) Shell scripting/ </a:t>
-            </a:r>
-            <a:r>
-              <a:rPr lang="en-GB" dirty="0" err="1">
-                <a:solidFill>
-                  <a:srgbClr val="7030A0"/>
-                </a:solidFill>
-              </a:rPr>
-              <a:t>qsub</a:t>
-            </a:r>
-            <a:r>
-              <a:rPr lang="en-GB" dirty="0">
-                <a:solidFill>
-                  <a:srgbClr val="7030A0"/>
-                </a:solidFill>
-              </a:rPr>
-              <a:t>: Run something useful</a:t>
-            </a:r>
-          </a:p>
-        </p:txBody>
-      </p:sp>
-      <p:sp>
-        <p:nvSpPr>
-          <p:cNvPr id="3" name="Content Placeholder 2">
-            <a:extLst>
-              <a:ext uri="{FF2B5EF4-FFF2-40B4-BE49-F238E27FC236}">
-                <a16:creationId xmlns:a16="http://schemas.microsoft.com/office/drawing/2014/main" id="{E1355657-ACC7-4163-88F9-88811068852A}"/>
-              </a:ext>
-            </a:extLst>
-          </p:cNvPr>
-          <p:cNvSpPr>
-            <a:spLocks noGrp="1"/>
-          </p:cNvSpPr>
-          <p:nvPr>
-            <p:ph idx="1"/>
-          </p:nvPr>
-        </p:nvSpPr>
+              <a:t>4) Shell scripting: Colours of files - may differ between programs. </a:t>
+            </a:r>
+          </a:p>
+        </p:txBody>
+      </p:sp>
+      <p:pic>
+        <p:nvPicPr>
+          <p:cNvPr id="4" name="Picture 3">
+            <a:extLst>
+              <a:ext uri="{FF2B5EF4-FFF2-40B4-BE49-F238E27FC236}">
+                <a16:creationId xmlns:a16="http://schemas.microsoft.com/office/drawing/2014/main" id="{E1080871-043E-4484-AA92-0F24D82261C5}"/>
+              </a:ext>
+            </a:extLst>
+          </p:cNvPr>
+          <p:cNvPicPr>
+            <a:picLocks noChangeAspect="1"/>
+          </p:cNvPicPr>
+          <p:nvPr/>
+        </p:nvPicPr>
+        <p:blipFill rotWithShape="1">
+          <a:blip r:embed="rId2">
+            <a:extLst>
+              <a:ext uri="{28A0092B-C50C-407E-A947-70E740481C1C}">
+                <a14:useLocalDpi xmlns:a14="http://schemas.microsoft.com/office/drawing/2010/main" val="0"/>
+              </a:ext>
+            </a:extLst>
+          </a:blip>
+          <a:srcRect/>
+          <a:stretch/>
+        </p:blipFill>
         <p:spPr>
           <a:xfrm>
-            <a:off x="161925" y="1185862"/>
-            <a:ext cx="11036300" cy="4486275"/>
-          </a:xfrm>
-        </p:spPr>
-        <p:txBody>
-          <a:bodyPr>
-            <a:normAutofit/>
-          </a:bodyPr>
-          <a:lstStyle/>
-          <a:p>
-            <a:r>
-              <a:rPr lang="en-GB" dirty="0" err="1"/>
-              <a:t>Fastqc</a:t>
-            </a:r>
-            <a:r>
-              <a:rPr lang="en-GB" dirty="0"/>
-              <a:t> on real Illumina data. Open the </a:t>
-            </a:r>
-            <a:r>
-              <a:rPr lang="en-GB" dirty="0">
-                <a:solidFill>
-                  <a:srgbClr val="00B050"/>
-                </a:solidFill>
-              </a:rPr>
-              <a:t>FastQC.sh </a:t>
-            </a:r>
-            <a:r>
-              <a:rPr lang="en-GB" dirty="0"/>
-              <a:t>file</a:t>
-            </a:r>
-          </a:p>
-          <a:p>
-            <a:endParaRPr lang="en-GB" dirty="0"/>
-          </a:p>
-          <a:p>
-            <a:pPr marL="0" indent="0">
-              <a:buNone/>
-            </a:pPr>
-            <a:r>
-              <a:rPr lang="en-GB" dirty="0">
-                <a:solidFill>
-                  <a:srgbClr val="0070C0"/>
-                </a:solidFill>
-              </a:rPr>
-              <a:t>        cd /storage/home/users/${USER}/</a:t>
-            </a:r>
-            <a:r>
-              <a:rPr lang="en-GB" dirty="0" err="1">
-                <a:solidFill>
-                  <a:srgbClr val="0070C0"/>
-                </a:solidFill>
-              </a:rPr>
-              <a:t>ngs</a:t>
-            </a:r>
-            <a:r>
-              <a:rPr lang="en-GB" dirty="0">
-                <a:solidFill>
-                  <a:srgbClr val="0070C0"/>
-                </a:solidFill>
-              </a:rPr>
-              <a:t>/</a:t>
-            </a:r>
-            <a:r>
-              <a:rPr lang="en-GB" dirty="0" err="1">
-                <a:solidFill>
-                  <a:srgbClr val="0070C0"/>
-                </a:solidFill>
-              </a:rPr>
-              <a:t>shell_scripts</a:t>
-            </a:r>
-            <a:r>
-              <a:rPr lang="en-GB" dirty="0">
-                <a:solidFill>
-                  <a:srgbClr val="0070C0"/>
-                </a:solidFill>
-              </a:rPr>
-              <a:t>     </a:t>
-            </a:r>
-          </a:p>
-          <a:p>
-            <a:pPr marL="0" indent="0">
-              <a:buNone/>
-            </a:pPr>
-            <a:r>
-              <a:rPr lang="en-GB" dirty="0">
-                <a:solidFill>
-                  <a:srgbClr val="0070C0"/>
-                </a:solidFill>
-              </a:rPr>
-              <a:t>	</a:t>
-            </a:r>
-            <a:r>
-              <a:rPr lang="en-GB" dirty="0">
-                <a:solidFill>
-                  <a:srgbClr val="FF0000"/>
-                </a:solidFill>
-              </a:rPr>
-              <a:t>(tip: tab name completion…)</a:t>
-            </a:r>
-            <a:endParaRPr lang="en-GB" dirty="0"/>
-          </a:p>
-          <a:p>
-            <a:pPr marL="0" indent="0">
-              <a:buNone/>
-            </a:pPr>
-            <a:r>
-              <a:rPr lang="en-GB" dirty="0">
-                <a:solidFill>
-                  <a:srgbClr val="0070C0"/>
-                </a:solidFill>
-              </a:rPr>
-              <a:t>        </a:t>
-            </a:r>
-            <a:r>
-              <a:rPr lang="en-GB" dirty="0" err="1">
-                <a:solidFill>
-                  <a:srgbClr val="0070C0"/>
-                </a:solidFill>
-              </a:rPr>
-              <a:t>nano</a:t>
-            </a:r>
-            <a:r>
-              <a:rPr lang="en-GB" dirty="0">
-                <a:solidFill>
-                  <a:srgbClr val="0070C0"/>
-                </a:solidFill>
-              </a:rPr>
-              <a:t> FastQC.sh  </a:t>
-            </a:r>
-          </a:p>
-          <a:p>
-            <a:endParaRPr lang="en-GB" sz="2000" dirty="0"/>
-          </a:p>
-          <a:p>
-            <a:r>
-              <a:rPr lang="en-GB" dirty="0"/>
-              <a:t> This script loads a module called </a:t>
-            </a:r>
-            <a:r>
-              <a:rPr lang="en-GB" dirty="0" err="1"/>
-              <a:t>fastqc</a:t>
-            </a:r>
-            <a:endParaRPr lang="en-GB" dirty="0"/>
-          </a:p>
-          <a:p>
-            <a:endParaRPr lang="en-GB" sz="1000" dirty="0"/>
-          </a:p>
-        </p:txBody>
-      </p:sp>
-      <p:sp>
-        <p:nvSpPr>
-          <p:cNvPr id="6" name="TextBox 5">
-            <a:extLst>
-              <a:ext uri="{FF2B5EF4-FFF2-40B4-BE49-F238E27FC236}">
-                <a16:creationId xmlns:a16="http://schemas.microsoft.com/office/drawing/2014/main" id="{E116F140-36DE-4AFB-BDE8-E1C2676C31C1}"/>
+            <a:off x="3454400" y="2501900"/>
+            <a:ext cx="7340600" cy="2921000"/>
+          </a:xfrm>
+          <a:prstGeom prst="rect">
+            <a:avLst/>
+          </a:prstGeom>
+        </p:spPr>
+      </p:pic>
+      <p:sp>
+        <p:nvSpPr>
+          <p:cNvPr id="5" name="TextBox 4">
+            <a:extLst>
+              <a:ext uri="{FF2B5EF4-FFF2-40B4-BE49-F238E27FC236}">
+                <a16:creationId xmlns:a16="http://schemas.microsoft.com/office/drawing/2014/main" id="{36745D97-E67E-4C41-BD35-F85E4C6B0AF8}"/>
               </a:ext>
             </a:extLst>
           </p:cNvPr>
@@ -4034,8 +3917,8 @@
         </p:nvSpPr>
         <p:spPr>
           <a:xfrm>
-            <a:off x="10350500" y="0"/>
-            <a:ext cx="1841500" cy="584775"/>
+            <a:off x="622300" y="3733800"/>
+            <a:ext cx="2476500" cy="1938992"/>
           </a:xfrm>
           <a:prstGeom prst="rect">
             <a:avLst/>
@@ -4049,31 +3932,307 @@
           <a:lstStyle/>
           <a:p>
             <a:r>
-              <a:rPr lang="en-GB" sz="3200" dirty="0">
-                <a:solidFill>
-                  <a:srgbClr val="FF0000"/>
-                </a:solidFill>
-                <a:highlight>
-                  <a:srgbClr val="FFFF00"/>
-                </a:highlight>
-              </a:rPr>
-              <a:t>ACTIVITY</a:t>
-            </a:r>
-            <a:endParaRPr lang="en-GB" sz="2800" dirty="0">
-              <a:solidFill>
-                <a:srgbClr val="FF0000"/>
-              </a:solidFill>
-              <a:highlight>
-                <a:srgbClr val="FFFF00"/>
-              </a:highlight>
-            </a:endParaRPr>
-          </a:p>
-        </p:txBody>
-      </p:sp>
+              <a:rPr lang="en-GB" sz="2400" dirty="0"/>
+              <a:t>Compressed</a:t>
+            </a:r>
+          </a:p>
+          <a:p>
+            <a:endParaRPr lang="en-GB" sz="2400" dirty="0"/>
+          </a:p>
+          <a:p>
+            <a:r>
+              <a:rPr lang="en-GB" sz="2400" dirty="0"/>
+              <a:t>Just a file</a:t>
+            </a:r>
+          </a:p>
+          <a:p>
+            <a:endParaRPr lang="en-GB" sz="2400" dirty="0"/>
+          </a:p>
+          <a:p>
+            <a:r>
+              <a:rPr lang="en-GB" sz="2400" dirty="0"/>
+              <a:t>folder</a:t>
+            </a:r>
+          </a:p>
+        </p:txBody>
+      </p:sp>
+      <p:sp>
+        <p:nvSpPr>
+          <p:cNvPr id="6" name="TextBox 5">
+            <a:extLst>
+              <a:ext uri="{FF2B5EF4-FFF2-40B4-BE49-F238E27FC236}">
+                <a16:creationId xmlns:a16="http://schemas.microsoft.com/office/drawing/2014/main" id="{29E8E406-BE71-4FC5-B5C1-88004D8AC51B}"/>
+              </a:ext>
+            </a:extLst>
+          </p:cNvPr>
+          <p:cNvSpPr txBox="1"/>
+          <p:nvPr/>
+        </p:nvSpPr>
+        <p:spPr>
+          <a:xfrm>
+            <a:off x="5283200" y="1657628"/>
+            <a:ext cx="2476500" cy="461665"/>
+          </a:xfrm>
+          <a:prstGeom prst="rect">
+            <a:avLst/>
+          </a:prstGeom>
+          <a:noFill/>
+        </p:spPr>
+        <p:txBody>
+          <a:bodyPr wrap="square" rtlCol="0">
+            <a:spAutoFit/>
+          </a:bodyPr>
+          <a:lstStyle/>
+          <a:p>
+            <a:r>
+              <a:rPr lang="en-GB" sz="2400" dirty="0"/>
+              <a:t>executable</a:t>
+            </a:r>
+          </a:p>
+        </p:txBody>
+      </p:sp>
+      <p:sp>
+        <p:nvSpPr>
+          <p:cNvPr id="7" name="TextBox 6">
+            <a:extLst>
+              <a:ext uri="{FF2B5EF4-FFF2-40B4-BE49-F238E27FC236}">
+                <a16:creationId xmlns:a16="http://schemas.microsoft.com/office/drawing/2014/main" id="{077B223B-4F73-440C-94CE-6163E1EFE0EF}"/>
+              </a:ext>
+            </a:extLst>
+          </p:cNvPr>
+          <p:cNvSpPr txBox="1"/>
+          <p:nvPr/>
+        </p:nvSpPr>
+        <p:spPr>
+          <a:xfrm>
+            <a:off x="5054600" y="6092071"/>
+            <a:ext cx="2476500" cy="461665"/>
+          </a:xfrm>
+          <a:prstGeom prst="rect">
+            <a:avLst/>
+          </a:prstGeom>
+          <a:noFill/>
+        </p:spPr>
+        <p:txBody>
+          <a:bodyPr wrap="square" rtlCol="0">
+            <a:spAutoFit/>
+          </a:bodyPr>
+          <a:lstStyle/>
+          <a:p>
+            <a:r>
+              <a:rPr lang="en-GB" sz="2400" dirty="0"/>
+              <a:t>Symbolic link</a:t>
+            </a:r>
+          </a:p>
+        </p:txBody>
+      </p:sp>
+      <p:cxnSp>
+        <p:nvCxnSpPr>
+          <p:cNvPr id="9" name="Straight Arrow Connector 8">
+            <a:extLst>
+              <a:ext uri="{FF2B5EF4-FFF2-40B4-BE49-F238E27FC236}">
+                <a16:creationId xmlns:a16="http://schemas.microsoft.com/office/drawing/2014/main" id="{B964E002-DD3F-49EE-B2A6-19F84B6596EC}"/>
+              </a:ext>
+            </a:extLst>
+          </p:cNvPr>
+          <p:cNvCxnSpPr/>
+          <p:nvPr/>
+        </p:nvCxnSpPr>
+        <p:spPr>
+          <a:xfrm>
+            <a:off x="6292850" y="2119293"/>
+            <a:ext cx="228600" cy="2046307"/>
+          </a:xfrm>
+          <a:prstGeom prst="straightConnector1">
+            <a:avLst/>
+          </a:prstGeom>
+          <a:ln>
+            <a:tailEnd type="triangle"/>
+          </a:ln>
+        </p:spPr>
+        <p:style>
+          <a:lnRef idx="3">
+            <a:schemeClr val="accent1"/>
+          </a:lnRef>
+          <a:fillRef idx="0">
+            <a:schemeClr val="accent1"/>
+          </a:fillRef>
+          <a:effectRef idx="2">
+            <a:schemeClr val="accent1"/>
+          </a:effectRef>
+          <a:fontRef idx="minor">
+            <a:schemeClr val="tx1"/>
+          </a:fontRef>
+        </p:style>
+      </p:cxnSp>
+      <p:cxnSp>
+        <p:nvCxnSpPr>
+          <p:cNvPr id="10" name="Straight Arrow Connector 9">
+            <a:extLst>
+              <a:ext uri="{FF2B5EF4-FFF2-40B4-BE49-F238E27FC236}">
+                <a16:creationId xmlns:a16="http://schemas.microsoft.com/office/drawing/2014/main" id="{2492776D-1094-4234-8ECC-8C088FA46346}"/>
+              </a:ext>
+            </a:extLst>
+          </p:cNvPr>
+          <p:cNvCxnSpPr>
+            <a:cxnSpLocks/>
+          </p:cNvCxnSpPr>
+          <p:nvPr/>
+        </p:nvCxnSpPr>
+        <p:spPr>
+          <a:xfrm>
+            <a:off x="2451100" y="3962400"/>
+            <a:ext cx="1052512" cy="141307"/>
+          </a:xfrm>
+          <a:prstGeom prst="straightConnector1">
+            <a:avLst/>
+          </a:prstGeom>
+          <a:ln>
+            <a:tailEnd type="triangle"/>
+          </a:ln>
+        </p:spPr>
+        <p:style>
+          <a:lnRef idx="3">
+            <a:schemeClr val="accent1"/>
+          </a:lnRef>
+          <a:fillRef idx="0">
+            <a:schemeClr val="accent1"/>
+          </a:fillRef>
+          <a:effectRef idx="2">
+            <a:schemeClr val="accent1"/>
+          </a:effectRef>
+          <a:fontRef idx="minor">
+            <a:schemeClr val="tx1"/>
+          </a:fontRef>
+        </p:style>
+      </p:cxnSp>
+      <p:cxnSp>
+        <p:nvCxnSpPr>
+          <p:cNvPr id="13" name="Straight Arrow Connector 12">
+            <a:extLst>
+              <a:ext uri="{FF2B5EF4-FFF2-40B4-BE49-F238E27FC236}">
+                <a16:creationId xmlns:a16="http://schemas.microsoft.com/office/drawing/2014/main" id="{AD075155-21F3-46B7-8335-78B492E95A26}"/>
+              </a:ext>
+            </a:extLst>
+          </p:cNvPr>
+          <p:cNvCxnSpPr>
+            <a:cxnSpLocks/>
+          </p:cNvCxnSpPr>
+          <p:nvPr/>
+        </p:nvCxnSpPr>
+        <p:spPr>
+          <a:xfrm>
+            <a:off x="2057400" y="4781103"/>
+            <a:ext cx="1567656" cy="0"/>
+          </a:xfrm>
+          <a:prstGeom prst="straightConnector1">
+            <a:avLst/>
+          </a:prstGeom>
+          <a:ln>
+            <a:tailEnd type="triangle"/>
+          </a:ln>
+        </p:spPr>
+        <p:style>
+          <a:lnRef idx="3">
+            <a:schemeClr val="accent1"/>
+          </a:lnRef>
+          <a:fillRef idx="0">
+            <a:schemeClr val="accent1"/>
+          </a:fillRef>
+          <a:effectRef idx="2">
+            <a:schemeClr val="accent1"/>
+          </a:effectRef>
+          <a:fontRef idx="minor">
+            <a:schemeClr val="tx1"/>
+          </a:fontRef>
+        </p:style>
+      </p:cxnSp>
+      <p:cxnSp>
+        <p:nvCxnSpPr>
+          <p:cNvPr id="15" name="Straight Arrow Connector 14">
+            <a:extLst>
+              <a:ext uri="{FF2B5EF4-FFF2-40B4-BE49-F238E27FC236}">
+                <a16:creationId xmlns:a16="http://schemas.microsoft.com/office/drawing/2014/main" id="{0C48D724-F842-4BE2-B07E-64CCE2C8A30D}"/>
+              </a:ext>
+            </a:extLst>
+          </p:cNvPr>
+          <p:cNvCxnSpPr>
+            <a:cxnSpLocks/>
+          </p:cNvCxnSpPr>
+          <p:nvPr/>
+        </p:nvCxnSpPr>
+        <p:spPr>
+          <a:xfrm flipV="1">
+            <a:off x="1667272" y="5130800"/>
+            <a:ext cx="1787128" cy="298003"/>
+          </a:xfrm>
+          <a:prstGeom prst="straightConnector1">
+            <a:avLst/>
+          </a:prstGeom>
+          <a:ln>
+            <a:tailEnd type="triangle"/>
+          </a:ln>
+        </p:spPr>
+        <p:style>
+          <a:lnRef idx="3">
+            <a:schemeClr val="accent1"/>
+          </a:lnRef>
+          <a:fillRef idx="0">
+            <a:schemeClr val="accent1"/>
+          </a:fillRef>
+          <a:effectRef idx="2">
+            <a:schemeClr val="accent1"/>
+          </a:effectRef>
+          <a:fontRef idx="minor">
+            <a:schemeClr val="tx1"/>
+          </a:fontRef>
+        </p:style>
+      </p:cxnSp>
+      <p:cxnSp>
+        <p:nvCxnSpPr>
+          <p:cNvPr id="17" name="Straight Arrow Connector 16">
+            <a:extLst>
+              <a:ext uri="{FF2B5EF4-FFF2-40B4-BE49-F238E27FC236}">
+                <a16:creationId xmlns:a16="http://schemas.microsoft.com/office/drawing/2014/main" id="{E54A720E-E523-4B3C-B0C0-1A2B2D629E65}"/>
+              </a:ext>
+            </a:extLst>
+          </p:cNvPr>
+          <p:cNvCxnSpPr>
+            <a:cxnSpLocks/>
+          </p:cNvCxnSpPr>
+          <p:nvPr/>
+        </p:nvCxnSpPr>
+        <p:spPr>
+          <a:xfrm flipV="1">
+            <a:off x="5555456" y="5373896"/>
+            <a:ext cx="0" cy="718175"/>
+          </a:xfrm>
+          <a:prstGeom prst="straightConnector1">
+            <a:avLst/>
+          </a:prstGeom>
+          <a:ln>
+            <a:tailEnd type="triangle"/>
+          </a:ln>
+        </p:spPr>
+        <p:style>
+          <a:lnRef idx="3">
+            <a:schemeClr val="accent1"/>
+          </a:lnRef>
+          <a:fillRef idx="0">
+            <a:schemeClr val="accent1"/>
+          </a:fillRef>
+          <a:effectRef idx="2">
+            <a:schemeClr val="accent1"/>
+          </a:effectRef>
+          <a:fontRef idx="minor">
+            <a:schemeClr val="tx1"/>
+          </a:fontRef>
+        </p:style>
+      </p:cxnSp>
     </p:spTree>
     <p:extLst>
       <p:ext uri="{BB962C8B-B14F-4D97-AF65-F5344CB8AC3E}">
-        <p14:creationId xmlns:p14="http://schemas.microsoft.com/office/powerpoint/2010/main" val="3892780945"/>
+        <p14:creationId xmlns:p14="http://schemas.microsoft.com/office/powerpoint/2010/main" val="1532243045"/>
       </p:ext>
     </p:extLst>
   </p:cSld>
@@ -4105,7 +4264,7 @@
           <p:cNvPr id="2" name="Title 1">
             <a:extLst>
               <a:ext uri="{FF2B5EF4-FFF2-40B4-BE49-F238E27FC236}">
-                <a16:creationId xmlns:a16="http://schemas.microsoft.com/office/drawing/2014/main" id="{7E03E00C-44CB-43B4-AB72-A0B8C7DC8FC6}"/>
+                <a16:creationId xmlns:a16="http://schemas.microsoft.com/office/drawing/2014/main" id="{C81A3A91-7B42-45E2-AF0C-1ABEDCB0CE20}"/>
               </a:ext>
             </a:extLst>
           </p:cNvPr>
@@ -4118,22 +4277,21 @@
         </p:nvSpPr>
         <p:spPr>
           <a:xfrm>
-            <a:off x="-495300" y="-78007"/>
-            <a:ext cx="12192000" cy="1325563"/>
+            <a:off x="755650" y="0"/>
+            <a:ext cx="10515600" cy="1325563"/>
           </a:xfrm>
         </p:spPr>
         <p:txBody>
           <a:bodyPr/>
           <a:lstStyle/>
           <a:p>
-            <a:pPr algn="ctr"/>
             <a:r>
               <a:rPr lang="en-GB" dirty="0">
                 <a:solidFill>
                   <a:srgbClr val="7030A0"/>
                 </a:solidFill>
               </a:rPr>
-              <a:t>4) Shell scripting/ </a:t>
+              <a:t>4) Shell scripting: The .</a:t>
             </a:r>
             <a:r>
               <a:rPr lang="en-GB" dirty="0" err="1">
@@ -4141,7 +4299,7 @@
                   <a:srgbClr val="7030A0"/>
                 </a:solidFill>
               </a:rPr>
-              <a:t>qsub</a:t>
+              <a:t>sh</a:t>
             </a:r>
             <a:r>
               <a:rPr lang="en-GB" dirty="0">
@@ -4149,7 +4307,7 @@
                   <a:srgbClr val="7030A0"/>
                 </a:solidFill>
               </a:rPr>
-              <a:t>: Run something useful</a:t>
+              <a:t> script has to be “executable”</a:t>
             </a:r>
           </a:p>
         </p:txBody>
@@ -4159,7 +4317,7 @@
           <p:cNvPr id="3" name="Content Placeholder 2">
             <a:extLst>
               <a:ext uri="{FF2B5EF4-FFF2-40B4-BE49-F238E27FC236}">
-                <a16:creationId xmlns:a16="http://schemas.microsoft.com/office/drawing/2014/main" id="{E1355657-ACC7-4163-88F9-88811068852A}"/>
+                <a16:creationId xmlns:a16="http://schemas.microsoft.com/office/drawing/2014/main" id="{9FC71EF4-1728-429F-AEAF-B2352A04F976}"/>
               </a:ext>
             </a:extLst>
           </p:cNvPr>
@@ -4172,8 +4330,8 @@
         </p:nvSpPr>
         <p:spPr>
           <a:xfrm>
-            <a:off x="152400" y="928688"/>
-            <a:ext cx="11036300" cy="4486275"/>
+            <a:off x="450850" y="1325563"/>
+            <a:ext cx="11207750" cy="5156199"/>
           </a:xfrm>
         </p:spPr>
         <p:txBody>
@@ -4182,192 +4340,164 @@
           </a:bodyPr>
           <a:lstStyle/>
           <a:p>
-            <a:r>
-              <a:rPr lang="en-GB" dirty="0" err="1"/>
-              <a:t>Fastqc</a:t>
-            </a:r>
-            <a:r>
-              <a:rPr lang="en-GB" dirty="0"/>
-              <a:t> on real Illumina data. Open the </a:t>
-            </a:r>
-            <a:r>
-              <a:rPr lang="en-GB" dirty="0">
-                <a:solidFill>
-                  <a:srgbClr val="00B050"/>
-                </a:solidFill>
-              </a:rPr>
-              <a:t>FastQC.sh </a:t>
-            </a:r>
-            <a:r>
-              <a:rPr lang="en-GB" dirty="0"/>
-              <a:t>file</a:t>
-            </a:r>
-          </a:p>
-          <a:p>
-            <a:r>
-              <a:rPr lang="en-GB" dirty="0" err="1">
-                <a:solidFill>
-                  <a:schemeClr val="accent1"/>
-                </a:solidFill>
-              </a:rPr>
-              <a:t>moduleav</a:t>
-            </a:r>
-            <a:r>
-              <a:rPr lang="en-GB" dirty="0"/>
-              <a:t>     (see a list of pre installed programs/ modules).</a:t>
-            </a:r>
-          </a:p>
-        </p:txBody>
-      </p:sp>
-      <p:pic>
-        <p:nvPicPr>
-          <p:cNvPr id="4" name="Picture 3">
-            <a:extLst>
-              <a:ext uri="{FF2B5EF4-FFF2-40B4-BE49-F238E27FC236}">
-                <a16:creationId xmlns:a16="http://schemas.microsoft.com/office/drawing/2014/main" id="{EAF3628D-06FA-4587-995D-18179A37861B}"/>
-              </a:ext>
-            </a:extLst>
-          </p:cNvPr>
-          <p:cNvPicPr>
-            <a:picLocks noChangeAspect="1"/>
-          </p:cNvPicPr>
-          <p:nvPr/>
-        </p:nvPicPr>
-        <p:blipFill rotWithShape="1">
-          <a:blip r:embed="rId2">
-            <a:extLst>
-              <a:ext uri="{28A0092B-C50C-407E-A947-70E740481C1C}">
-                <a14:useLocalDpi xmlns:a14="http://schemas.microsoft.com/office/drawing/2010/main" val="0"/>
-              </a:ext>
-            </a:extLst>
-          </a:blip>
-          <a:srcRect/>
-          <a:stretch/>
-        </p:blipFill>
-        <p:spPr>
-          <a:xfrm>
-            <a:off x="88232" y="2450598"/>
-            <a:ext cx="7975600" cy="5809033"/>
-          </a:xfrm>
-          <a:prstGeom prst="rect">
-            <a:avLst/>
-          </a:prstGeom>
-        </p:spPr>
-      </p:pic>
-      <p:sp>
-        <p:nvSpPr>
-          <p:cNvPr id="5" name="Rectangle 4">
-            <a:extLst>
-              <a:ext uri="{FF2B5EF4-FFF2-40B4-BE49-F238E27FC236}">
-                <a16:creationId xmlns:a16="http://schemas.microsoft.com/office/drawing/2014/main" id="{B2C3E9B6-9367-4A87-8175-A1A29D5EAF12}"/>
-              </a:ext>
-            </a:extLst>
-          </p:cNvPr>
-          <p:cNvSpPr/>
-          <p:nvPr/>
-        </p:nvSpPr>
-        <p:spPr>
-          <a:xfrm>
-            <a:off x="8128000" y="2450598"/>
-            <a:ext cx="3746500" cy="2246769"/>
-          </a:xfrm>
-          <a:prstGeom prst="rect">
-            <a:avLst/>
-          </a:prstGeom>
-        </p:spPr>
-        <p:txBody>
-          <a:bodyPr wrap="square">
-            <a:spAutoFit/>
-          </a:bodyPr>
-          <a:lstStyle/>
-          <a:p>
-            <a:r>
-              <a:rPr lang="en-GB" sz="2000" dirty="0"/>
-              <a:t>To load any of these programs from the list, e.g.</a:t>
-            </a:r>
-          </a:p>
-          <a:p>
-            <a:r>
-              <a:rPr lang="en-GB" sz="2000" dirty="0">
-                <a:solidFill>
-                  <a:schemeClr val="accent1"/>
-                </a:solidFill>
-              </a:rPr>
-              <a:t>module load </a:t>
-            </a:r>
-            <a:r>
-              <a:rPr lang="en-GB" sz="2000" dirty="0" err="1">
-                <a:solidFill>
-                  <a:schemeClr val="accent1"/>
-                </a:solidFill>
-              </a:rPr>
-              <a:t>name_of_package</a:t>
-            </a:r>
-            <a:endParaRPr lang="en-GB" sz="2000" dirty="0">
+            <a:pPr marL="0" indent="0">
+              <a:buNone/>
+            </a:pPr>
+            <a:endParaRPr lang="en-GB" dirty="0">
               <a:solidFill>
-                <a:schemeClr val="accent1"/>
+                <a:srgbClr val="0070C0"/>
               </a:solidFill>
             </a:endParaRPr>
           </a:p>
           <a:p>
-            <a:endParaRPr lang="en-GB" sz="2000" dirty="0">
+            <a:r>
+              <a:rPr lang="en-GB" dirty="0"/>
+              <a:t>Now you can run this:</a:t>
+            </a:r>
+          </a:p>
+          <a:p>
+            <a:pPr marL="0" indent="0">
+              <a:buNone/>
+            </a:pPr>
+            <a:endParaRPr lang="en-GB" dirty="0">
               <a:solidFill>
-                <a:schemeClr val="accent1"/>
+                <a:srgbClr val="0070C0"/>
               </a:solidFill>
             </a:endParaRPr>
           </a:p>
           <a:p>
-            <a:r>
-              <a:rPr lang="en-GB" sz="2000" dirty="0">
-                <a:solidFill>
-                  <a:schemeClr val="accent1"/>
-                </a:solidFill>
-              </a:rPr>
-              <a:t>module load name/version</a:t>
-            </a:r>
-            <a:endParaRPr lang="en-GB" sz="2000" dirty="0"/>
-          </a:p>
-          <a:p>
-            <a:endParaRPr lang="en-GB" sz="2000" dirty="0">
+            <a:pPr marL="0" indent="0">
+              <a:buNone/>
+            </a:pPr>
+            <a:r>
+              <a:rPr lang="en-GB" dirty="0">
+                <a:solidFill>
+                  <a:srgbClr val="0070C0"/>
+                </a:solidFill>
+              </a:rPr>
+              <a:t>        ./Example.sh  </a:t>
+            </a:r>
+            <a:r>
+              <a:rPr lang="en-GB" dirty="0"/>
+              <a:t>(this dot slash, just means “here”)</a:t>
+            </a:r>
+          </a:p>
+          <a:p>
+            <a:pPr marL="0" indent="0">
+              <a:buNone/>
+            </a:pPr>
+            <a:endParaRPr lang="en-GB" dirty="0">
               <a:solidFill>
-                <a:schemeClr val="accent1"/>
+                <a:srgbClr val="0070C0"/>
               </a:solidFill>
             </a:endParaRPr>
           </a:p>
           <a:p>
             <a:r>
-              <a:rPr lang="en-GB" sz="2000" dirty="0">
-                <a:solidFill>
-                  <a:schemeClr val="accent1"/>
-                </a:solidFill>
-              </a:rPr>
-              <a:t>module load </a:t>
-            </a:r>
-            <a:r>
-              <a:rPr lang="en-GB" sz="2000" dirty="0" err="1">
-                <a:solidFill>
-                  <a:schemeClr val="accent1"/>
-                </a:solidFill>
-              </a:rPr>
-              <a:t>MUMmer</a:t>
-            </a:r>
-            <a:r>
-              <a:rPr lang="en-GB" sz="2000" dirty="0">
-                <a:solidFill>
-                  <a:schemeClr val="accent1"/>
-                </a:solidFill>
-              </a:rPr>
-              <a:t>/3.23</a:t>
-            </a:r>
-          </a:p>
-        </p:txBody>
-      </p:sp>
-      <p:sp>
-        <p:nvSpPr>
-          <p:cNvPr id="6" name="TextBox 5">
-            <a:extLst>
-              <a:ext uri="{FF2B5EF4-FFF2-40B4-BE49-F238E27FC236}">
-                <a16:creationId xmlns:a16="http://schemas.microsoft.com/office/drawing/2014/main" id="{E116F140-36DE-4AFB-BDE8-E1C2676C31C1}"/>
+              <a:rPr lang="en-GB" dirty="0"/>
+              <a:t>This should just print “</a:t>
+            </a:r>
+            <a:r>
+              <a:rPr lang="en-GB" i="1" dirty="0"/>
+              <a:t>something</a:t>
+            </a:r>
+            <a:r>
+              <a:rPr lang="en-GB" dirty="0"/>
+              <a:t>” to the screen using the </a:t>
+            </a:r>
+            <a:r>
+              <a:rPr lang="en-GB" dirty="0">
+                <a:solidFill>
+                  <a:srgbClr val="0070C0"/>
+                </a:solidFill>
+              </a:rPr>
+              <a:t>echo</a:t>
+            </a:r>
+            <a:r>
+              <a:rPr lang="en-GB" dirty="0"/>
+              <a:t> command.</a:t>
+            </a:r>
+          </a:p>
+          <a:p>
+            <a:pPr marL="0" indent="0">
+              <a:buNone/>
+            </a:pPr>
+            <a:r>
+              <a:rPr lang="en-GB" dirty="0"/>
+              <a:t>Change this and try again. (to save in </a:t>
+            </a:r>
+            <a:r>
+              <a:rPr lang="en-GB" dirty="0" err="1"/>
+              <a:t>nano</a:t>
+            </a:r>
+            <a:r>
+              <a:rPr lang="en-GB" dirty="0"/>
+              <a:t>: type </a:t>
+            </a:r>
+            <a:r>
+              <a:rPr lang="en-GB" dirty="0">
+                <a:solidFill>
+                  <a:srgbClr val="0070C0"/>
+                </a:solidFill>
+              </a:rPr>
+              <a:t>ctrl x</a:t>
+            </a:r>
+            <a:r>
+              <a:rPr lang="en-GB" dirty="0"/>
+              <a:t>, then </a:t>
+            </a:r>
+            <a:r>
+              <a:rPr lang="en-GB" dirty="0">
+                <a:solidFill>
+                  <a:srgbClr val="0070C0"/>
+                </a:solidFill>
+              </a:rPr>
+              <a:t>y</a:t>
+            </a:r>
+            <a:r>
+              <a:rPr lang="en-GB" dirty="0"/>
+              <a:t> for yes, </a:t>
+            </a:r>
+            <a:r>
+              <a:rPr lang="en-GB" dirty="0">
+                <a:solidFill>
+                  <a:srgbClr val="0070C0"/>
+                </a:solidFill>
+              </a:rPr>
+              <a:t>enter</a:t>
+            </a:r>
+            <a:r>
+              <a:rPr lang="en-GB" dirty="0"/>
+              <a:t>)</a:t>
+            </a:r>
+          </a:p>
+          <a:p>
+            <a:pPr marL="0" indent="0">
+              <a:buNone/>
+            </a:pPr>
+            <a:endParaRPr lang="en-GB" dirty="0"/>
+          </a:p>
+          <a:p>
+            <a:pPr marL="0" indent="0">
+              <a:buNone/>
+            </a:pPr>
+            <a:r>
+              <a:rPr lang="en-GB" dirty="0">
+                <a:solidFill>
+                  <a:srgbClr val="0070C0"/>
+                </a:solidFill>
+              </a:rPr>
+              <a:t>        echo “something in quotes - boom”</a:t>
+            </a:r>
+          </a:p>
+        </p:txBody>
+      </p:sp>
+      <p:sp>
+        <p:nvSpPr>
+          <p:cNvPr id="4" name="TextBox 3">
+            <a:extLst>
+              <a:ext uri="{FF2B5EF4-FFF2-40B4-BE49-F238E27FC236}">
+                <a16:creationId xmlns:a16="http://schemas.microsoft.com/office/drawing/2014/main" id="{B4662B38-7115-424B-8193-AB38552519CD}"/>
               </a:ext>
             </a:extLst>
           </p:cNvPr>
@@ -4415,7 +4545,7 @@
     </p:spTree>
     <p:extLst>
       <p:ext uri="{BB962C8B-B14F-4D97-AF65-F5344CB8AC3E}">
-        <p14:creationId xmlns:p14="http://schemas.microsoft.com/office/powerpoint/2010/main" val="4097796142"/>
+        <p14:creationId xmlns:p14="http://schemas.microsoft.com/office/powerpoint/2010/main" val="2322820562"/>
       </p:ext>
     </p:extLst>
   </p:cSld>
@@ -4460,6 +4590,307 @@
         </p:nvSpPr>
         <p:spPr>
           <a:xfrm>
+            <a:off x="-1257300" y="-78007"/>
+            <a:ext cx="12954000" cy="1325563"/>
+          </a:xfrm>
+        </p:spPr>
+        <p:txBody>
+          <a:bodyPr/>
+          <a:lstStyle/>
+          <a:p>
+            <a:pPr algn="ctr"/>
+            <a:r>
+              <a:rPr lang="en-GB" dirty="0">
+                <a:solidFill>
+                  <a:srgbClr val="7030A0"/>
+                </a:solidFill>
+              </a:rPr>
+              <a:t>4) Shell scripting/ </a:t>
+            </a:r>
+            <a:r>
+              <a:rPr lang="en-GB" dirty="0" err="1">
+                <a:solidFill>
+                  <a:srgbClr val="7030A0"/>
+                </a:solidFill>
+              </a:rPr>
+              <a:t>qsub</a:t>
+            </a:r>
+            <a:r>
+              <a:rPr lang="en-GB" dirty="0">
+                <a:solidFill>
+                  <a:srgbClr val="7030A0"/>
+                </a:solidFill>
+              </a:rPr>
+              <a:t>: Run something useful</a:t>
+            </a:r>
+          </a:p>
+        </p:txBody>
+      </p:sp>
+      <p:sp>
+        <p:nvSpPr>
+          <p:cNvPr id="3" name="Content Placeholder 2">
+            <a:extLst>
+              <a:ext uri="{FF2B5EF4-FFF2-40B4-BE49-F238E27FC236}">
+                <a16:creationId xmlns:a16="http://schemas.microsoft.com/office/drawing/2014/main" id="{E1355657-ACC7-4163-88F9-88811068852A}"/>
+              </a:ext>
+            </a:extLst>
+          </p:cNvPr>
+          <p:cNvSpPr>
+            <a:spLocks noGrp="1"/>
+          </p:cNvSpPr>
+          <p:nvPr>
+            <p:ph idx="1"/>
+          </p:nvPr>
+        </p:nvSpPr>
+        <p:spPr>
+          <a:xfrm>
+            <a:off x="161925" y="1185862"/>
+            <a:ext cx="11036300" cy="4486275"/>
+          </a:xfrm>
+        </p:spPr>
+        <p:txBody>
+          <a:bodyPr>
+            <a:normAutofit/>
+          </a:bodyPr>
+          <a:lstStyle/>
+          <a:p>
+            <a:r>
+              <a:rPr lang="en-GB" dirty="0" err="1"/>
+              <a:t>Fastqc</a:t>
+            </a:r>
+            <a:r>
+              <a:rPr lang="en-GB" dirty="0"/>
+              <a:t> on real Illumina data. Open the </a:t>
+            </a:r>
+            <a:r>
+              <a:rPr lang="en-GB" dirty="0">
+                <a:solidFill>
+                  <a:srgbClr val="00B050"/>
+                </a:solidFill>
+              </a:rPr>
+              <a:t>FastQC.sh </a:t>
+            </a:r>
+            <a:r>
+              <a:rPr lang="en-GB" dirty="0"/>
+              <a:t>file</a:t>
+            </a:r>
+          </a:p>
+          <a:p>
+            <a:endParaRPr lang="en-GB" dirty="0"/>
+          </a:p>
+          <a:p>
+            <a:pPr marL="0" indent="0">
+              <a:buNone/>
+            </a:pPr>
+            <a:r>
+              <a:rPr lang="en-GB" dirty="0">
+                <a:solidFill>
+                  <a:srgbClr val="0070C0"/>
+                </a:solidFill>
+              </a:rPr>
+              <a:t>        cd /storage/home/users/${USER}/</a:t>
+            </a:r>
+            <a:r>
+              <a:rPr lang="en-GB" dirty="0" err="1">
+                <a:solidFill>
+                  <a:srgbClr val="0070C0"/>
+                </a:solidFill>
+              </a:rPr>
+              <a:t>ngs</a:t>
+            </a:r>
+            <a:r>
+              <a:rPr lang="en-GB" dirty="0">
+                <a:solidFill>
+                  <a:srgbClr val="0070C0"/>
+                </a:solidFill>
+              </a:rPr>
+              <a:t>/</a:t>
+            </a:r>
+            <a:r>
+              <a:rPr lang="en-GB" dirty="0" err="1">
+                <a:solidFill>
+                  <a:srgbClr val="0070C0"/>
+                </a:solidFill>
+              </a:rPr>
+              <a:t>shell_scripts</a:t>
+            </a:r>
+            <a:r>
+              <a:rPr lang="en-GB" dirty="0">
+                <a:solidFill>
+                  <a:srgbClr val="0070C0"/>
+                </a:solidFill>
+              </a:rPr>
+              <a:t>     </a:t>
+            </a:r>
+          </a:p>
+          <a:p>
+            <a:pPr marL="0" indent="0">
+              <a:buNone/>
+            </a:pPr>
+            <a:r>
+              <a:rPr lang="en-GB" dirty="0">
+                <a:solidFill>
+                  <a:srgbClr val="0070C0"/>
+                </a:solidFill>
+              </a:rPr>
+              <a:t>	</a:t>
+            </a:r>
+            <a:r>
+              <a:rPr lang="en-GB" dirty="0">
+                <a:solidFill>
+                  <a:srgbClr val="FF0000"/>
+                </a:solidFill>
+              </a:rPr>
+              <a:t>(tip: tab name completion…)</a:t>
+            </a:r>
+            <a:endParaRPr lang="en-GB" dirty="0"/>
+          </a:p>
+          <a:p>
+            <a:pPr marL="0" indent="0">
+              <a:buNone/>
+            </a:pPr>
+            <a:r>
+              <a:rPr lang="en-GB" dirty="0">
+                <a:solidFill>
+                  <a:srgbClr val="0070C0"/>
+                </a:solidFill>
+              </a:rPr>
+              <a:t>        </a:t>
+            </a:r>
+            <a:r>
+              <a:rPr lang="en-GB" dirty="0" err="1">
+                <a:solidFill>
+                  <a:srgbClr val="0070C0"/>
+                </a:solidFill>
+              </a:rPr>
+              <a:t>nano</a:t>
+            </a:r>
+            <a:r>
+              <a:rPr lang="en-GB" dirty="0">
+                <a:solidFill>
+                  <a:srgbClr val="0070C0"/>
+                </a:solidFill>
+              </a:rPr>
+              <a:t> FastQC.sh  </a:t>
+            </a:r>
+          </a:p>
+          <a:p>
+            <a:endParaRPr lang="en-GB" sz="2000" dirty="0"/>
+          </a:p>
+          <a:p>
+            <a:r>
+              <a:rPr lang="en-GB" dirty="0"/>
+              <a:t> This script loads a module called </a:t>
+            </a:r>
+            <a:r>
+              <a:rPr lang="en-GB" dirty="0" err="1"/>
+              <a:t>fastqc</a:t>
+            </a:r>
+            <a:endParaRPr lang="en-GB" dirty="0"/>
+          </a:p>
+          <a:p>
+            <a:endParaRPr lang="en-GB" sz="1000" dirty="0"/>
+          </a:p>
+        </p:txBody>
+      </p:sp>
+      <p:sp>
+        <p:nvSpPr>
+          <p:cNvPr id="6" name="TextBox 5">
+            <a:extLst>
+              <a:ext uri="{FF2B5EF4-FFF2-40B4-BE49-F238E27FC236}">
+                <a16:creationId xmlns:a16="http://schemas.microsoft.com/office/drawing/2014/main" id="{E116F140-36DE-4AFB-BDE8-E1C2676C31C1}"/>
+              </a:ext>
+            </a:extLst>
+          </p:cNvPr>
+          <p:cNvSpPr txBox="1"/>
+          <p:nvPr/>
+        </p:nvSpPr>
+        <p:spPr>
+          <a:xfrm>
+            <a:off x="10350500" y="0"/>
+            <a:ext cx="1841500" cy="584775"/>
+          </a:xfrm>
+          <a:prstGeom prst="rect">
+            <a:avLst/>
+          </a:prstGeom>
+          <a:noFill/>
+        </p:spPr>
+        <p:txBody>
+          <a:bodyPr wrap="square" rtlCol="0">
+            <a:spAutoFit/>
+          </a:bodyPr>
+          <a:lstStyle/>
+          <a:p>
+            <a:r>
+              <a:rPr lang="en-GB" sz="3200" dirty="0">
+                <a:solidFill>
+                  <a:srgbClr val="FF0000"/>
+                </a:solidFill>
+                <a:highlight>
+                  <a:srgbClr val="FFFF00"/>
+                </a:highlight>
+              </a:rPr>
+              <a:t>ACTIVITY</a:t>
+            </a:r>
+            <a:endParaRPr lang="en-GB" sz="2800" dirty="0">
+              <a:solidFill>
+                <a:srgbClr val="FF0000"/>
+              </a:solidFill>
+              <a:highlight>
+                <a:srgbClr val="FFFF00"/>
+              </a:highlight>
+            </a:endParaRPr>
+          </a:p>
+        </p:txBody>
+      </p:sp>
+    </p:spTree>
+    <p:extLst>
+      <p:ext uri="{BB962C8B-B14F-4D97-AF65-F5344CB8AC3E}">
+        <p14:creationId xmlns:p14="http://schemas.microsoft.com/office/powerpoint/2010/main" val="3892780945"/>
+      </p:ext>
+    </p:extLst>
+  </p:cSld>
+  <p:clrMapOvr>
+    <a:masterClrMapping/>
+  </p:clrMapOvr>
+</p:sld>
+</file>
+
+<file path=ppt/slides/slide14.xml><?xml version="1.0" encoding="utf-8"?>
+<p:sld xmlns:a="http://schemas.openxmlformats.org/drawingml/2006/main" xmlns:r="http://schemas.openxmlformats.org/officeDocument/2006/relationships" xmlns:p="http://schemas.openxmlformats.org/presentationml/2006/main">
+  <p:cSld>
+    <p:spTree>
+      <p:nvGrpSpPr>
+        <p:cNvPr id="1" name=""/>
+        <p:cNvGrpSpPr/>
+        <p:nvPr/>
+      </p:nvGrpSpPr>
+      <p:grpSpPr>
+        <a:xfrm>
+          <a:off x="0" y="0"/>
+          <a:ext cx="0" cy="0"/>
+          <a:chOff x="0" y="0"/>
+          <a:chExt cx="0" cy="0"/>
+        </a:xfrm>
+      </p:grpSpPr>
+      <p:sp>
+        <p:nvSpPr>
+          <p:cNvPr id="2" name="Title 1">
+            <a:extLst>
+              <a:ext uri="{FF2B5EF4-FFF2-40B4-BE49-F238E27FC236}">
+                <a16:creationId xmlns:a16="http://schemas.microsoft.com/office/drawing/2014/main" id="{7E03E00C-44CB-43B4-AB72-A0B8C7DC8FC6}"/>
+              </a:ext>
+            </a:extLst>
+          </p:cNvPr>
+          <p:cNvSpPr>
+            <a:spLocks noGrp="1"/>
+          </p:cNvSpPr>
+          <p:nvPr>
+            <p:ph type="title"/>
+          </p:nvPr>
+        </p:nvSpPr>
+        <p:spPr>
+          <a:xfrm>
             <a:off x="-495300" y="-78007"/>
             <a:ext cx="12192000" cy="1325563"/>
           </a:xfrm>
@@ -4617,7 +5048,7 @@
 </p:sld>
 </file>
 
-<file path=ppt/slides/slide14.xml><?xml version="1.0" encoding="utf-8"?>
+<file path=ppt/slides/slide15.xml><?xml version="1.0" encoding="utf-8"?>
 <p:sld xmlns:a="http://schemas.openxmlformats.org/drawingml/2006/main" xmlns:r="http://schemas.openxmlformats.org/officeDocument/2006/relationships" xmlns:p="http://schemas.openxmlformats.org/presentationml/2006/main">
   <p:cSld>
     <p:spTree>
@@ -4921,7 +5352,7 @@
 </p:sld>
 </file>
 
-<file path=ppt/slides/slide15.xml><?xml version="1.0" encoding="utf-8"?>
+<file path=ppt/slides/slide16.xml><?xml version="1.0" encoding="utf-8"?>
 <p:sld xmlns:a="http://schemas.openxmlformats.org/drawingml/2006/main" xmlns:r="http://schemas.openxmlformats.org/officeDocument/2006/relationships" xmlns:p="http://schemas.openxmlformats.org/presentationml/2006/main">
   <p:cSld>
     <p:spTree>
@@ -5229,7 +5660,7 @@
 </p:sld>
 </file>
 
-<file path=ppt/slides/slide16.xml><?xml version="1.0" encoding="utf-8"?>
+<file path=ppt/slides/slide17.xml><?xml version="1.0" encoding="utf-8"?>
 <p:sld xmlns:a="http://schemas.openxmlformats.org/drawingml/2006/main" xmlns:r="http://schemas.openxmlformats.org/officeDocument/2006/relationships" xmlns:p="http://schemas.openxmlformats.org/presentationml/2006/main">
   <p:cSld>
     <p:spTree>
@@ -5711,7 +6142,7 @@
 </p:sld>
 </file>
 
-<file path=ppt/slides/slide17.xml><?xml version="1.0" encoding="utf-8"?>
+<file path=ppt/slides/slide18.xml><?xml version="1.0" encoding="utf-8"?>
 <p:sld xmlns:a="http://schemas.openxmlformats.org/drawingml/2006/main" xmlns:r="http://schemas.openxmlformats.org/officeDocument/2006/relationships" xmlns:p="http://schemas.openxmlformats.org/presentationml/2006/main">
   <p:cSld>
     <p:spTree>
@@ -6225,11 +6656,11 @@
                   <a:srgbClr val="00B0F0"/>
                 </a:solidFill>
               </a:rPr>
-              <a:t>#$</a:t>
-            </a:r>
-            <a:r>
-              <a:rPr lang="en-GB" dirty="0"/>
-              <a:t> are special commands. </a:t>
+              <a:t>#sbatch </a:t>
+            </a:r>
+            <a:r>
+              <a:rPr lang="en-GB" dirty="0"/>
+              <a:t>are special commands. </a:t>
             </a:r>
           </a:p>
           <a:p>
@@ -6282,7 +6713,7 @@
         </p:nvCxnSpPr>
         <p:spPr>
           <a:xfrm flipV="1">
-            <a:off x="4470643" y="3574473"/>
+            <a:off x="4585901" y="3435409"/>
             <a:ext cx="1865502" cy="81537"/>
           </a:xfrm>
           <a:prstGeom prst="straightConnector1">
@@ -6397,10 +6828,10 @@
       </p:sp>
       <p:pic>
         <p:nvPicPr>
-          <p:cNvPr id="11" name="Picture 10">
-            <a:extLst>
-              <a:ext uri="{FF2B5EF4-FFF2-40B4-BE49-F238E27FC236}">
-                <a16:creationId xmlns:a16="http://schemas.microsoft.com/office/drawing/2014/main" id="{0817311B-86D7-4D43-810C-F045ACCB296A}"/>
+          <p:cNvPr id="5" name="Picture 4">
+            <a:extLst>
+              <a:ext uri="{FF2B5EF4-FFF2-40B4-BE49-F238E27FC236}">
+                <a16:creationId xmlns:a16="http://schemas.microsoft.com/office/drawing/2014/main" id="{5F788B33-CCA1-5FE7-12BF-A81E88C31566}"/>
               </a:ext>
             </a:extLst>
           </p:cNvPr>
@@ -6410,20 +6841,14 @@
           <p:nvPr/>
         </p:nvPicPr>
         <p:blipFill rotWithShape="1">
-          <a:blip r:embed="rId2">
-            <a:extLst>
-              <a:ext uri="{28A0092B-C50C-407E-A947-70E740481C1C}">
-                <a14:useLocalDpi xmlns:a14="http://schemas.microsoft.com/office/drawing/2010/main" val="0"/>
-              </a:ext>
-            </a:extLst>
-          </a:blip>
-          <a:srcRect/>
+          <a:blip r:embed="rId2"/>
+          <a:srcRect l="67305" t="24459" r="13897" b="50000"/>
           <a:stretch/>
         </p:blipFill>
         <p:spPr>
           <a:xfrm>
-            <a:off x="6614968" y="2400262"/>
-            <a:ext cx="7339131" cy="4140055"/>
+            <a:off x="6797176" y="2750325"/>
+            <a:ext cx="7323066" cy="2798322"/>
           </a:xfrm>
           <a:prstGeom prst="rect">
             <a:avLst/>
@@ -6516,13 +6941,13 @@
         </p:nvSpPr>
         <p:spPr>
           <a:xfrm>
-            <a:off x="54429" y="1099910"/>
+            <a:off x="-59803" y="615382"/>
             <a:ext cx="10515600" cy="4351338"/>
           </a:xfrm>
         </p:spPr>
         <p:txBody>
           <a:bodyPr>
-            <a:normAutofit lnSpcReduction="10000"/>
+            <a:normAutofit/>
           </a:bodyPr>
           <a:lstStyle/>
           <a:p>
@@ -6564,7 +6989,7 @@
           <a:p>
             <a:r>
               <a:rPr lang="en-GB" dirty="0"/>
-              <a:t>#$ are special commands. You don’t actually need them, but they are helpful</a:t>
+              <a:t>#sbatch are special commands. You don’t actually need them, but they are helpful</a:t>
             </a:r>
           </a:p>
           <a:p>
@@ -6616,14 +7041,11 @@
             <a:pPr marL="0" indent="0">
               <a:buNone/>
             </a:pPr>
-            <a:r>
-              <a:rPr lang="en-GB" dirty="0">
-                <a:solidFill>
-                  <a:srgbClr val="0070C0"/>
-                </a:solidFill>
-              </a:rPr>
-              <a:t>command</a:t>
-            </a:r>
+            <a:endParaRPr lang="en-GB" dirty="0">
+              <a:solidFill>
+                <a:srgbClr val="0070C0"/>
+              </a:solidFill>
+            </a:endParaRPr>
           </a:p>
           <a:p>
             <a:endParaRPr lang="en-GB" dirty="0"/>
@@ -6645,9 +7067,9 @@
           <p:nvPr/>
         </p:nvCxnSpPr>
         <p:spPr>
-          <a:xfrm>
-            <a:off x="4154526" y="4091244"/>
-            <a:ext cx="542394" cy="472245"/>
+          <a:xfrm flipV="1">
+            <a:off x="4154526" y="3954280"/>
+            <a:ext cx="880612" cy="136964"/>
           </a:xfrm>
           <a:prstGeom prst="straightConnector1">
             <a:avLst/>
@@ -6688,7 +7110,7 @@
         <p:spPr>
           <a:xfrm>
             <a:off x="1736203" y="2505075"/>
-            <a:ext cx="2903629" cy="571953"/>
+            <a:ext cx="3132680" cy="242263"/>
           </a:xfrm>
           <a:prstGeom prst="straightConnector1">
             <a:avLst/>
@@ -6712,24 +7134,107 @@
           </a:fontRef>
         </p:style>
       </p:cxnSp>
+      <p:sp>
+        <p:nvSpPr>
+          <p:cNvPr id="8" name="TextBox 7">
+            <a:extLst>
+              <a:ext uri="{FF2B5EF4-FFF2-40B4-BE49-F238E27FC236}">
+                <a16:creationId xmlns:a16="http://schemas.microsoft.com/office/drawing/2014/main" id="{74FABEA4-0AE5-42DD-8C83-AD3771F43508}"/>
+              </a:ext>
+            </a:extLst>
+          </p:cNvPr>
+          <p:cNvSpPr txBox="1"/>
+          <p:nvPr/>
+        </p:nvSpPr>
+        <p:spPr>
+          <a:xfrm>
+            <a:off x="10350500" y="0"/>
+            <a:ext cx="1841500" cy="584775"/>
+          </a:xfrm>
+          <a:prstGeom prst="rect">
+            <a:avLst/>
+          </a:prstGeom>
+          <a:noFill/>
+        </p:spPr>
+        <p:txBody>
+          <a:bodyPr wrap="square" rtlCol="0">
+            <a:spAutoFit/>
+          </a:bodyPr>
+          <a:lstStyle/>
+          <a:p>
+            <a:r>
+              <a:rPr lang="en-GB" sz="3200" dirty="0">
+                <a:solidFill>
+                  <a:srgbClr val="FF0000"/>
+                </a:solidFill>
+                <a:highlight>
+                  <a:srgbClr val="FFFF00"/>
+                </a:highlight>
+              </a:rPr>
+              <a:t>ACTIVITY</a:t>
+            </a:r>
+            <a:endParaRPr lang="en-GB" sz="2800" dirty="0">
+              <a:solidFill>
+                <a:srgbClr val="FF0000"/>
+              </a:solidFill>
+              <a:highlight>
+                <a:srgbClr val="FFFF00"/>
+              </a:highlight>
+            </a:endParaRPr>
+          </a:p>
+        </p:txBody>
+      </p:sp>
+      <p:sp>
+        <p:nvSpPr>
+          <p:cNvPr id="14" name="TextBox 13">
+            <a:extLst>
+              <a:ext uri="{FF2B5EF4-FFF2-40B4-BE49-F238E27FC236}">
+                <a16:creationId xmlns:a16="http://schemas.microsoft.com/office/drawing/2014/main" id="{54E9E489-ED01-4B74-AEF6-3181A3EFFA19}"/>
+              </a:ext>
+            </a:extLst>
+          </p:cNvPr>
+          <p:cNvSpPr txBox="1"/>
+          <p:nvPr/>
+        </p:nvSpPr>
+        <p:spPr>
+          <a:xfrm>
+            <a:off x="1121128" y="6173662"/>
+            <a:ext cx="3518704" cy="369332"/>
+          </a:xfrm>
+          <a:prstGeom prst="rect">
+            <a:avLst/>
+          </a:prstGeom>
+          <a:noFill/>
+        </p:spPr>
+        <p:txBody>
+          <a:bodyPr wrap="square" rtlCol="0">
+            <a:spAutoFit/>
+          </a:bodyPr>
+          <a:lstStyle/>
+          <a:p>
+            <a:r>
+              <a:rPr lang="en-GB" dirty="0"/>
+              <a:t>Nano usage commands</a:t>
+            </a:r>
+          </a:p>
+        </p:txBody>
+      </p:sp>
       <p:cxnSp>
         <p:nvCxnSpPr>
-          <p:cNvPr id="11" name="Straight Arrow Connector 10">
-            <a:extLst>
-              <a:ext uri="{FF2B5EF4-FFF2-40B4-BE49-F238E27FC236}">
-                <a16:creationId xmlns:a16="http://schemas.microsoft.com/office/drawing/2014/main" id="{098BC2CD-5153-4F99-BC33-C3F1F3518EDE}"/>
-              </a:ext>
-            </a:extLst>
-          </p:cNvPr>
-          <p:cNvCxnSpPr>
-            <a:cxnSpLocks/>
-          </p:cNvCxnSpPr>
+          <p:cNvPr id="16" name="Straight Arrow Connector 15">
+            <a:extLst>
+              <a:ext uri="{FF2B5EF4-FFF2-40B4-BE49-F238E27FC236}">
+                <a16:creationId xmlns:a16="http://schemas.microsoft.com/office/drawing/2014/main" id="{2B8BE0E6-AAE5-42A6-A85B-BDB47FF32514}"/>
+              </a:ext>
+            </a:extLst>
+          </p:cNvPr>
+          <p:cNvCxnSpPr/>
           <p:nvPr/>
         </p:nvCxnSpPr>
         <p:spPr>
           <a:xfrm>
-            <a:off x="1736203" y="4918122"/>
-            <a:ext cx="2903629" cy="31830"/>
+            <a:off x="3750197" y="6425359"/>
+            <a:ext cx="618438" cy="0"/>
           </a:xfrm>
           <a:prstGeom prst="straightConnector1">
             <a:avLst/>
@@ -6753,62 +7258,12 @@
           </a:fontRef>
         </p:style>
       </p:cxnSp>
-      <p:sp>
-        <p:nvSpPr>
-          <p:cNvPr id="8" name="TextBox 7">
-            <a:extLst>
-              <a:ext uri="{FF2B5EF4-FFF2-40B4-BE49-F238E27FC236}">
-                <a16:creationId xmlns:a16="http://schemas.microsoft.com/office/drawing/2014/main" id="{74FABEA4-0AE5-42DD-8C83-AD3771F43508}"/>
-              </a:ext>
-            </a:extLst>
-          </p:cNvPr>
-          <p:cNvSpPr txBox="1"/>
-          <p:nvPr/>
-        </p:nvSpPr>
-        <p:spPr>
-          <a:xfrm>
-            <a:off x="10350500" y="0"/>
-            <a:ext cx="1841500" cy="584775"/>
-          </a:xfrm>
-          <a:prstGeom prst="rect">
-            <a:avLst/>
-          </a:prstGeom>
-          <a:noFill/>
-        </p:spPr>
-        <p:txBody>
-          <a:bodyPr wrap="square" rtlCol="0">
-            <a:spAutoFit/>
-          </a:bodyPr>
-          <a:lstStyle/>
-          <a:p>
-            <a:r>
-              <a:rPr lang="en-GB" sz="3200" dirty="0">
-                <a:solidFill>
-                  <a:srgbClr val="FF0000"/>
-                </a:solidFill>
-                <a:highlight>
-                  <a:srgbClr val="FFFF00"/>
-                </a:highlight>
-              </a:rPr>
-              <a:t>ACTIVITY</a:t>
-            </a:r>
-            <a:endParaRPr lang="en-GB" sz="2800" dirty="0">
-              <a:solidFill>
-                <a:srgbClr val="FF0000"/>
-              </a:solidFill>
-              <a:highlight>
-                <a:srgbClr val="FFFF00"/>
-              </a:highlight>
-            </a:endParaRPr>
-          </a:p>
-        </p:txBody>
-      </p:sp>
       <p:pic>
         <p:nvPicPr>
-          <p:cNvPr id="10" name="Picture 9">
-            <a:extLst>
-              <a:ext uri="{FF2B5EF4-FFF2-40B4-BE49-F238E27FC236}">
-                <a16:creationId xmlns:a16="http://schemas.microsoft.com/office/drawing/2014/main" id="{2AFF6A4E-F2F8-41AD-AE01-AB3C4C4DFC8A}"/>
+          <p:cNvPr id="12" name="Picture 11">
+            <a:extLst>
+              <a:ext uri="{FF2B5EF4-FFF2-40B4-BE49-F238E27FC236}">
+                <a16:creationId xmlns:a16="http://schemas.microsoft.com/office/drawing/2014/main" id="{DF74B37F-5F06-06E4-B7F1-BE3EE4CB995A}"/>
               </a:ext>
             </a:extLst>
           </p:cNvPr>
@@ -6818,100 +7273,20 @@
           <p:nvPr/>
         </p:nvPicPr>
         <p:blipFill rotWithShape="1">
-          <a:blip r:embed="rId2">
-            <a:extLst>
-              <a:ext uri="{28A0092B-C50C-407E-A947-70E740481C1C}">
-                <a14:useLocalDpi xmlns:a14="http://schemas.microsoft.com/office/drawing/2010/main" val="0"/>
-              </a:ext>
-            </a:extLst>
-          </a:blip>
-          <a:srcRect/>
+          <a:blip r:embed="rId2"/>
+          <a:srcRect l="69838" t="20733" r="10389" b="30688"/>
           <a:stretch/>
         </p:blipFill>
         <p:spPr>
           <a:xfrm>
-            <a:off x="4754008" y="2497662"/>
-            <a:ext cx="7437992" cy="4195823"/>
+            <a:off x="5246542" y="2055030"/>
+            <a:ext cx="6672843" cy="4610889"/>
           </a:xfrm>
           <a:prstGeom prst="rect">
             <a:avLst/>
           </a:prstGeom>
         </p:spPr>
       </p:pic>
-      <p:sp>
-        <p:nvSpPr>
-          <p:cNvPr id="14" name="TextBox 13">
-            <a:extLst>
-              <a:ext uri="{FF2B5EF4-FFF2-40B4-BE49-F238E27FC236}">
-                <a16:creationId xmlns:a16="http://schemas.microsoft.com/office/drawing/2014/main" id="{54E9E489-ED01-4B74-AEF6-3181A3EFFA19}"/>
-              </a:ext>
-            </a:extLst>
-          </p:cNvPr>
-          <p:cNvSpPr txBox="1"/>
-          <p:nvPr/>
-        </p:nvSpPr>
-        <p:spPr>
-          <a:xfrm>
-            <a:off x="1121128" y="6173662"/>
-            <a:ext cx="3518704" cy="369332"/>
-          </a:xfrm>
-          <a:prstGeom prst="rect">
-            <a:avLst/>
-          </a:prstGeom>
-          <a:noFill/>
-        </p:spPr>
-        <p:txBody>
-          <a:bodyPr wrap="square" rtlCol="0">
-            <a:spAutoFit/>
-          </a:bodyPr>
-          <a:lstStyle/>
-          <a:p>
-            <a:r>
-              <a:rPr lang="en-GB" dirty="0"/>
-              <a:t>Nano usage commands</a:t>
-            </a:r>
-          </a:p>
-        </p:txBody>
-      </p:sp>
-      <p:cxnSp>
-        <p:nvCxnSpPr>
-          <p:cNvPr id="16" name="Straight Arrow Connector 15">
-            <a:extLst>
-              <a:ext uri="{FF2B5EF4-FFF2-40B4-BE49-F238E27FC236}">
-                <a16:creationId xmlns:a16="http://schemas.microsoft.com/office/drawing/2014/main" id="{2B8BE0E6-AAE5-42A6-A85B-BDB47FF32514}"/>
-              </a:ext>
-            </a:extLst>
-          </p:cNvPr>
-          <p:cNvCxnSpPr/>
-          <p:nvPr/>
-        </p:nvCxnSpPr>
-        <p:spPr>
-          <a:xfrm>
-            <a:off x="3750197" y="6425359"/>
-            <a:ext cx="618438" cy="0"/>
-          </a:xfrm>
-          <a:prstGeom prst="straightConnector1">
-            <a:avLst/>
-          </a:prstGeom>
-          <a:ln>
-            <a:tailEnd type="triangle"/>
-          </a:ln>
-        </p:spPr>
-        <p:style>
-          <a:lnRef idx="1">
-            <a:schemeClr val="accent1"/>
-          </a:lnRef>
-          <a:fillRef idx="0">
-            <a:schemeClr val="accent1"/>
-          </a:fillRef>
-          <a:effectRef idx="0">
-            <a:schemeClr val="accent1"/>
-          </a:effectRef>
-          <a:fontRef idx="minor">
-            <a:schemeClr val="tx1"/>
-          </a:fontRef>
-        </p:style>
-      </p:cxnSp>
     </p:spTree>
     <p:extLst>
       <p:ext uri="{BB962C8B-B14F-4D97-AF65-F5344CB8AC3E}">
@@ -6947,7 +7322,7 @@
           <p:cNvPr id="2" name="Title 1">
             <a:extLst>
               <a:ext uri="{FF2B5EF4-FFF2-40B4-BE49-F238E27FC236}">
-                <a16:creationId xmlns:a16="http://schemas.microsoft.com/office/drawing/2014/main" id="{5ECE6CC0-E480-4C0D-BAC9-27356C5EBB65}"/>
+                <a16:creationId xmlns:a16="http://schemas.microsoft.com/office/drawing/2014/main" id="{CC503983-7100-46AB-946B-1F471F7B457B}"/>
               </a:ext>
             </a:extLst>
           </p:cNvPr>
@@ -6958,157 +7333,204 @@
             <p:ph type="title"/>
           </p:nvPr>
         </p:nvSpPr>
+        <p:spPr/>
+        <p:txBody>
+          <a:bodyPr/>
+          <a:lstStyle/>
+          <a:p>
+            <a:r>
+              <a:rPr lang="en-GB" dirty="0"/>
+              <a:t>1 thread job and email me!</a:t>
+            </a:r>
+          </a:p>
+        </p:txBody>
+      </p:sp>
+      <p:sp>
+        <p:nvSpPr>
+          <p:cNvPr id="3" name="Content Placeholder 2">
+            <a:extLst>
+              <a:ext uri="{FF2B5EF4-FFF2-40B4-BE49-F238E27FC236}">
+                <a16:creationId xmlns:a16="http://schemas.microsoft.com/office/drawing/2014/main" id="{2ECD66E5-30EF-411A-8AA1-913F988E52DD}"/>
+              </a:ext>
+            </a:extLst>
+          </p:cNvPr>
+          <p:cNvSpPr>
+            <a:spLocks noGrp="1"/>
+          </p:cNvSpPr>
+          <p:nvPr>
+            <p:ph idx="1"/>
+          </p:nvPr>
+        </p:nvSpPr>
+        <p:spPr/>
+        <p:txBody>
+          <a:bodyPr/>
+          <a:lstStyle/>
+          <a:p>
+            <a:pPr marL="0" indent="0">
+              <a:buNone/>
+            </a:pPr>
+            <a:r>
+              <a:rPr lang="en-GB" dirty="0"/>
+              <a:t>#!/bin/bash -l</a:t>
+            </a:r>
+          </a:p>
+          <a:p>
+            <a:pPr marL="0" indent="0">
+              <a:buNone/>
+            </a:pPr>
+            <a:r>
+              <a:rPr lang="en-GB" dirty="0"/>
+              <a:t>#SBATCH -J </a:t>
+            </a:r>
+            <a:r>
+              <a:rPr lang="en-GB" dirty="0" err="1"/>
+              <a:t>conda_test</a:t>
+            </a:r>
+            <a:r>
+              <a:rPr lang="en-GB" dirty="0"/>
+              <a:t>   #jobname</a:t>
+            </a:r>
+          </a:p>
+          <a:p>
+            <a:pPr marL="0" indent="0">
+              <a:buNone/>
+            </a:pPr>
+            <a:r>
+              <a:rPr lang="en-GB" dirty="0"/>
+              <a:t>#SBATCH -N 1     #node</a:t>
+            </a:r>
+          </a:p>
+          <a:p>
+            <a:pPr marL="0" indent="0">
+              <a:buNone/>
+            </a:pPr>
+            <a:r>
+              <a:rPr lang="en-GB" dirty="0"/>
+              <a:t>#SBATCH --tasks-per-node=1</a:t>
+            </a:r>
+          </a:p>
+          <a:p>
+            <a:pPr marL="0" indent="0">
+              <a:buNone/>
+            </a:pPr>
+            <a:r>
+              <a:rPr lang="en-GB" dirty="0"/>
+              <a:t>#SBATCH -p </a:t>
+            </a:r>
+            <a:r>
+              <a:rPr lang="en-GB" dirty="0" err="1"/>
+              <a:t>bigmem</a:t>
+            </a:r>
+            <a:endParaRPr lang="en-GB" dirty="0"/>
+          </a:p>
+          <a:p>
+            <a:pPr marL="0" indent="0">
+              <a:buNone/>
+            </a:pPr>
+            <a:r>
+              <a:rPr lang="en-GB" dirty="0"/>
+              <a:t>#SBATCH --mail-type=ALL</a:t>
+            </a:r>
+          </a:p>
+          <a:p>
+            <a:pPr marL="0" indent="0">
+              <a:buNone/>
+            </a:pPr>
+            <a:r>
+              <a:rPr lang="en-GB" dirty="0"/>
+              <a:t>#SBATCH --mail-user=$USER@st-andrews.ac.uk</a:t>
+            </a:r>
+          </a:p>
+          <a:p>
+            <a:pPr marL="0" indent="0">
+              <a:buNone/>
+            </a:pPr>
+            <a:endParaRPr lang="en-GB" dirty="0"/>
+          </a:p>
+        </p:txBody>
+      </p:sp>
+      <p:cxnSp>
+        <p:nvCxnSpPr>
+          <p:cNvPr id="5" name="Straight Arrow Connector 4">
+            <a:extLst>
+              <a:ext uri="{FF2B5EF4-FFF2-40B4-BE49-F238E27FC236}">
+                <a16:creationId xmlns:a16="http://schemas.microsoft.com/office/drawing/2014/main" id="{53B91CC6-1569-4B46-9319-F0D0958B2E5D}"/>
+              </a:ext>
+            </a:extLst>
+          </p:cNvPr>
+          <p:cNvCxnSpPr/>
+          <p:nvPr/>
+        </p:nvCxnSpPr>
+        <p:spPr>
+          <a:xfrm flipH="1">
+            <a:off x="3369365" y="2027583"/>
+            <a:ext cx="596348" cy="0"/>
+          </a:xfrm>
+          <a:prstGeom prst="straightConnector1">
+            <a:avLst/>
+          </a:prstGeom>
+          <a:ln>
+            <a:tailEnd type="triangle"/>
+          </a:ln>
+        </p:spPr>
+        <p:style>
+          <a:lnRef idx="1">
+            <a:schemeClr val="accent1"/>
+          </a:lnRef>
+          <a:fillRef idx="0">
+            <a:schemeClr val="accent1"/>
+          </a:fillRef>
+          <a:effectRef idx="0">
+            <a:schemeClr val="accent1"/>
+          </a:effectRef>
+          <a:fontRef idx="minor">
+            <a:schemeClr val="tx1"/>
+          </a:fontRef>
+        </p:style>
+      </p:cxnSp>
+      <p:sp>
+        <p:nvSpPr>
+          <p:cNvPr id="6" name="TextBox 5">
+            <a:extLst>
+              <a:ext uri="{FF2B5EF4-FFF2-40B4-BE49-F238E27FC236}">
+                <a16:creationId xmlns:a16="http://schemas.microsoft.com/office/drawing/2014/main" id="{0B138D42-1CA3-4B1F-AF1B-C92A7F0A2000}"/>
+              </a:ext>
+            </a:extLst>
+          </p:cNvPr>
+          <p:cNvSpPr txBox="1"/>
+          <p:nvPr/>
+        </p:nvSpPr>
         <p:spPr>
           <a:xfrm>
-            <a:off x="54428" y="-225653"/>
-            <a:ext cx="12137572" cy="1325563"/>
-          </a:xfrm>
-        </p:spPr>
-        <p:txBody>
-          <a:bodyPr>
-            <a:normAutofit/>
+            <a:off x="4422913" y="1825625"/>
+            <a:ext cx="4800600" cy="369332"/>
+          </a:xfrm>
+          <a:prstGeom prst="rect">
+            <a:avLst/>
+          </a:prstGeom>
+          <a:noFill/>
+        </p:spPr>
+        <p:txBody>
+          <a:bodyPr wrap="square" rtlCol="0">
+            <a:spAutoFit/>
           </a:bodyPr>
           <a:lstStyle/>
           <a:p>
             <a:r>
-              <a:rPr lang="en-GB" sz="4000" dirty="0">
-                <a:solidFill>
-                  <a:srgbClr val="7030A0"/>
-                </a:solidFill>
-              </a:rPr>
-              <a:t>4) Shell scripting: Special commands at the top of shell </a:t>
-            </a:r>
-            <a:r>
-              <a:rPr lang="en-GB" sz="4000" dirty="0">
+              <a:rPr lang="en-GB" dirty="0">
                 <a:solidFill>
                   <a:srgbClr val="FF0000"/>
                 </a:solidFill>
               </a:rPr>
-              <a:t>#$</a:t>
-            </a:r>
-          </a:p>
-        </p:txBody>
-      </p:sp>
-      <p:sp>
-        <p:nvSpPr>
-          <p:cNvPr id="3" name="Content Placeholder 2">
-            <a:extLst>
-              <a:ext uri="{FF2B5EF4-FFF2-40B4-BE49-F238E27FC236}">
-                <a16:creationId xmlns:a16="http://schemas.microsoft.com/office/drawing/2014/main" id="{68885CB6-69C8-4A00-92C9-613302A9AE68}"/>
-              </a:ext>
-            </a:extLst>
-          </p:cNvPr>
-          <p:cNvSpPr>
-            <a:spLocks noGrp="1"/>
-          </p:cNvSpPr>
-          <p:nvPr>
-            <p:ph idx="1"/>
-          </p:nvPr>
-        </p:nvSpPr>
-        <p:spPr>
-          <a:xfrm>
-            <a:off x="54428" y="1099910"/>
-            <a:ext cx="11921672" cy="5465990"/>
-          </a:xfrm>
-        </p:spPr>
-        <p:txBody>
-          <a:bodyPr>
-            <a:normAutofit/>
-          </a:bodyPr>
-          <a:lstStyle/>
-          <a:p>
-            <a:r>
-              <a:rPr lang="en-GB" dirty="0">
-                <a:solidFill>
-                  <a:srgbClr val="0070C0"/>
-                </a:solidFill>
-              </a:rPr>
-              <a:t>#!/bin/bash</a:t>
-            </a:r>
-          </a:p>
-          <a:p>
-            <a:r>
-              <a:rPr lang="en-GB" dirty="0">
-                <a:solidFill>
-                  <a:srgbClr val="0070C0"/>
-                </a:solidFill>
-              </a:rPr>
-              <a:t>#$ -V                                                </a:t>
-            </a:r>
-            <a:r>
-              <a:rPr lang="en-GB" dirty="0"/>
-              <a:t># pass all environment variables to the job</a:t>
-            </a:r>
-          </a:p>
-          <a:p>
-            <a:r>
-              <a:rPr lang="en-GB" dirty="0">
-                <a:solidFill>
-                  <a:srgbClr val="0070C0"/>
-                </a:solidFill>
-              </a:rPr>
-              <a:t>#$ -N Mapping                               </a:t>
-            </a:r>
-            <a:r>
-              <a:rPr lang="en-GB" dirty="0"/>
-              <a:t># job name</a:t>
-            </a:r>
-          </a:p>
-          <a:p>
-            <a:r>
-              <a:rPr lang="en-GB" dirty="0">
-                <a:solidFill>
-                  <a:srgbClr val="0070C0"/>
-                </a:solidFill>
-              </a:rPr>
-              <a:t>#$ -</a:t>
-            </a:r>
-            <a:r>
-              <a:rPr lang="en-GB" dirty="0" err="1">
-                <a:solidFill>
-                  <a:srgbClr val="0070C0"/>
-                </a:solidFill>
-              </a:rPr>
-              <a:t>cwd</a:t>
-            </a:r>
-            <a:r>
-              <a:rPr lang="en-GB" dirty="0">
-                <a:solidFill>
-                  <a:srgbClr val="0070C0"/>
-                </a:solidFill>
-              </a:rPr>
-              <a:t>                                           </a:t>
-            </a:r>
-            <a:r>
-              <a:rPr lang="en-GB" dirty="0"/>
-              <a:t># Execute from the current working directory</a:t>
-            </a:r>
-          </a:p>
-          <a:p>
-            <a:r>
-              <a:rPr lang="en-GB" dirty="0">
-                <a:solidFill>
-                  <a:srgbClr val="0070C0"/>
-                </a:solidFill>
-              </a:rPr>
-              <a:t>#$ -pe multi 4                                </a:t>
-            </a:r>
-            <a:r>
-              <a:rPr lang="en-GB" dirty="0"/>
-              <a:t># how many core (4)</a:t>
-            </a:r>
-            <a:endParaRPr lang="en-GB" dirty="0">
-              <a:solidFill>
-                <a:srgbClr val="0070C0"/>
-              </a:solidFill>
-            </a:endParaRPr>
+              <a:t>Note: this line is essential for shell scripts now!!</a:t>
+            </a:r>
           </a:p>
         </p:txBody>
       </p:sp>
     </p:spTree>
     <p:extLst>
       <p:ext uri="{BB962C8B-B14F-4D97-AF65-F5344CB8AC3E}">
-        <p14:creationId xmlns:p14="http://schemas.microsoft.com/office/powerpoint/2010/main" val="2893095678"/>
+        <p14:creationId xmlns:p14="http://schemas.microsoft.com/office/powerpoint/2010/main" val="324461036"/>
       </p:ext>
     </p:extLst>
   </p:cSld>
@@ -7140,7 +7562,7 @@
           <p:cNvPr id="2" name="Title 1">
             <a:extLst>
               <a:ext uri="{FF2B5EF4-FFF2-40B4-BE49-F238E27FC236}">
-                <a16:creationId xmlns:a16="http://schemas.microsoft.com/office/drawing/2014/main" id="{5ECE6CC0-E480-4C0D-BAC9-27356C5EBB65}"/>
+                <a16:creationId xmlns:a16="http://schemas.microsoft.com/office/drawing/2014/main" id="{00C6A630-09E4-4522-8A1F-6469459EDAEB}"/>
               </a:ext>
             </a:extLst>
           </p:cNvPr>
@@ -7151,34 +7573,24 @@
             <p:ph type="title"/>
           </p:nvPr>
         </p:nvSpPr>
-        <p:spPr>
-          <a:xfrm>
-            <a:off x="-695325" y="-225653"/>
-            <a:ext cx="12887325" cy="1325563"/>
-          </a:xfrm>
-        </p:spPr>
+        <p:spPr/>
         <p:txBody>
           <a:bodyPr/>
           <a:lstStyle/>
           <a:p>
-            <a:pPr algn="ctr"/>
-            <a:r>
-              <a:rPr lang="en-GB" dirty="0">
-                <a:solidFill>
-                  <a:srgbClr val="7030A0"/>
-                </a:solidFill>
-              </a:rPr>
-              <a:t>4) Shell scripting: Help - what command</a:t>
-            </a:r>
-          </a:p>
-        </p:txBody>
-      </p:sp>
-      <p:sp>
-        <p:nvSpPr>
-          <p:cNvPr id="5" name="Content Placeholder 4">
-            <a:extLst>
-              <a:ext uri="{FF2B5EF4-FFF2-40B4-BE49-F238E27FC236}">
-                <a16:creationId xmlns:a16="http://schemas.microsoft.com/office/drawing/2014/main" id="{E20FE9B9-E20E-4F94-98A7-A76C1BD56717}"/>
+            <a:r>
+              <a:rPr lang="en-GB" dirty="0"/>
+              <a:t>High memory</a:t>
+            </a:r>
+          </a:p>
+        </p:txBody>
+      </p:sp>
+      <p:sp>
+        <p:nvSpPr>
+          <p:cNvPr id="3" name="Content Placeholder 2">
+            <a:extLst>
+              <a:ext uri="{FF2B5EF4-FFF2-40B4-BE49-F238E27FC236}">
+                <a16:creationId xmlns:a16="http://schemas.microsoft.com/office/drawing/2014/main" id="{B1F2955F-4F81-4877-B901-9D32C9BD5FD0}"/>
               </a:ext>
             </a:extLst>
           </p:cNvPr>
@@ -7189,302 +7601,79 @@
             <p:ph idx="1"/>
           </p:nvPr>
         </p:nvSpPr>
-        <p:spPr>
-          <a:xfrm>
-            <a:off x="331124" y="1193857"/>
-            <a:ext cx="10515600" cy="4351338"/>
-          </a:xfrm>
-        </p:spPr>
+        <p:spPr/>
         <p:txBody>
           <a:bodyPr/>
           <a:lstStyle/>
           <a:p>
             <a:r>
               <a:rPr lang="en-GB" dirty="0"/>
-              <a:t>The get info on what command you need to run from your tool and parameter.</a:t>
-            </a:r>
-          </a:p>
-          <a:p>
-            <a:r>
-              <a:rPr lang="en-GB" dirty="0"/>
-              <a:t>Type: </a:t>
-            </a:r>
-            <a:r>
-              <a:rPr lang="en-GB" i="1" dirty="0" err="1">
-                <a:solidFill>
-                  <a:srgbClr val="0070C0"/>
-                </a:solidFill>
-              </a:rPr>
-              <a:t>tool_name</a:t>
-            </a:r>
-            <a:r>
-              <a:rPr lang="en-GB" i="1" dirty="0">
-                <a:solidFill>
-                  <a:srgbClr val="0070C0"/>
-                </a:solidFill>
-              </a:rPr>
-              <a:t> </a:t>
-            </a:r>
-            <a:r>
-              <a:rPr lang="en-GB" dirty="0">
-                <a:solidFill>
-                  <a:srgbClr val="0070C0"/>
-                </a:solidFill>
-              </a:rPr>
-              <a:t>-h </a:t>
-            </a:r>
-            <a:r>
-              <a:rPr lang="en-GB" dirty="0"/>
-              <a:t>or (</a:t>
-            </a:r>
-            <a:r>
-              <a:rPr lang="en-GB" dirty="0">
-                <a:solidFill>
-                  <a:srgbClr val="0070C0"/>
-                </a:solidFill>
-              </a:rPr>
-              <a:t>--help, --h</a:t>
-            </a:r>
-            <a:r>
-              <a:rPr lang="en-GB" dirty="0"/>
-              <a:t>)        - some permutation of that</a:t>
-            </a:r>
-          </a:p>
-          <a:p>
-            <a:r>
-              <a:rPr lang="en-GB" dirty="0"/>
-              <a:t>Or look up the usage on their website. </a:t>
-            </a:r>
-          </a:p>
-        </p:txBody>
-      </p:sp>
-      <p:cxnSp>
-        <p:nvCxnSpPr>
-          <p:cNvPr id="6" name="Straight Arrow Connector 5">
-            <a:extLst>
-              <a:ext uri="{FF2B5EF4-FFF2-40B4-BE49-F238E27FC236}">
-                <a16:creationId xmlns:a16="http://schemas.microsoft.com/office/drawing/2014/main" id="{D26653F2-EDC5-454D-B4B9-A4BF5901E0F6}"/>
-              </a:ext>
-            </a:extLst>
-          </p:cNvPr>
-          <p:cNvCxnSpPr>
-            <a:cxnSpLocks/>
-          </p:cNvCxnSpPr>
-          <p:nvPr/>
-        </p:nvCxnSpPr>
-        <p:spPr>
-          <a:xfrm>
-            <a:off x="4904828" y="5757985"/>
-            <a:ext cx="1070208" cy="124261"/>
-          </a:xfrm>
-          <a:prstGeom prst="straightConnector1">
-            <a:avLst/>
-          </a:prstGeom>
-          <a:ln>
-            <a:tailEnd type="triangle"/>
-          </a:ln>
-        </p:spPr>
-        <p:style>
-          <a:lnRef idx="1">
-            <a:schemeClr val="accent1"/>
-          </a:lnRef>
-          <a:fillRef idx="0">
-            <a:schemeClr val="accent1"/>
-          </a:fillRef>
-          <a:effectRef idx="0">
-            <a:schemeClr val="accent1"/>
-          </a:effectRef>
-          <a:fontRef idx="minor">
-            <a:schemeClr val="tx1"/>
-          </a:fontRef>
-        </p:style>
-      </p:cxnSp>
-      <p:pic>
-        <p:nvPicPr>
-          <p:cNvPr id="7" name="Picture 6">
-            <a:extLst>
-              <a:ext uri="{FF2B5EF4-FFF2-40B4-BE49-F238E27FC236}">
-                <a16:creationId xmlns:a16="http://schemas.microsoft.com/office/drawing/2014/main" id="{FCD9A7BA-993F-43DB-91B7-A67E65C01FBD}"/>
-              </a:ext>
-            </a:extLst>
-          </p:cNvPr>
-          <p:cNvPicPr>
-            <a:picLocks noChangeAspect="1"/>
-          </p:cNvPicPr>
-          <p:nvPr/>
-        </p:nvPicPr>
-        <p:blipFill rotWithShape="1">
-          <a:blip r:embed="rId2">
-            <a:extLst>
-              <a:ext uri="{28A0092B-C50C-407E-A947-70E740481C1C}">
-                <a14:useLocalDpi xmlns:a14="http://schemas.microsoft.com/office/drawing/2010/main" val="0"/>
-              </a:ext>
-            </a:extLst>
-          </a:blip>
-          <a:srcRect/>
-          <a:stretch/>
-        </p:blipFill>
-        <p:spPr>
-          <a:xfrm>
-            <a:off x="6096000" y="3251721"/>
-            <a:ext cx="7934325" cy="4475808"/>
-          </a:xfrm>
-          <a:prstGeom prst="rect">
-            <a:avLst/>
-          </a:prstGeom>
-        </p:spPr>
-      </p:pic>
-      <p:sp>
-        <p:nvSpPr>
-          <p:cNvPr id="3" name="TextBox 2">
-            <a:extLst>
-              <a:ext uri="{FF2B5EF4-FFF2-40B4-BE49-F238E27FC236}">
-                <a16:creationId xmlns:a16="http://schemas.microsoft.com/office/drawing/2014/main" id="{D91DDC33-AEC3-4916-9122-4652CF1DF836}"/>
-              </a:ext>
-            </a:extLst>
-          </p:cNvPr>
-          <p:cNvSpPr txBox="1"/>
-          <p:nvPr/>
-        </p:nvSpPr>
-        <p:spPr>
-          <a:xfrm>
-            <a:off x="866775" y="5074126"/>
-            <a:ext cx="5489261" cy="1569660"/>
-          </a:xfrm>
-          <a:prstGeom prst="rect">
-            <a:avLst/>
-          </a:prstGeom>
-          <a:noFill/>
-        </p:spPr>
-        <p:txBody>
-          <a:bodyPr wrap="square" rtlCol="0">
-            <a:spAutoFit/>
-          </a:bodyPr>
-          <a:lstStyle/>
-          <a:p>
-            <a:r>
-              <a:rPr lang="en-GB" sz="2400" dirty="0"/>
-              <a:t>Any command entered here will be run</a:t>
-            </a:r>
-          </a:p>
-          <a:p>
-            <a:r>
-              <a:rPr lang="en-GB" sz="2400" dirty="0"/>
-              <a:t>e.g. </a:t>
-            </a:r>
-            <a:r>
-              <a:rPr lang="en-GB" sz="2400" dirty="0">
-                <a:solidFill>
-                  <a:srgbClr val="0070C0"/>
-                </a:solidFill>
-              </a:rPr>
-              <a:t>python myscript.py</a:t>
-            </a:r>
-          </a:p>
-          <a:p>
-            <a:r>
-              <a:rPr lang="en-GB" sz="2400" dirty="0" err="1">
-                <a:solidFill>
-                  <a:srgbClr val="0070C0"/>
-                </a:solidFill>
-              </a:rPr>
-              <a:t>perl</a:t>
-            </a:r>
-            <a:r>
-              <a:rPr lang="en-GB" sz="2400" dirty="0">
-                <a:solidFill>
-                  <a:srgbClr val="0070C0"/>
-                </a:solidFill>
-              </a:rPr>
-              <a:t> myscript.pl</a:t>
-            </a:r>
-          </a:p>
-          <a:p>
-            <a:r>
-              <a:rPr lang="en-GB" sz="2400" dirty="0"/>
-              <a:t>Etc …</a:t>
-            </a:r>
-          </a:p>
-        </p:txBody>
-      </p:sp>
-      <p:sp>
-        <p:nvSpPr>
-          <p:cNvPr id="8" name="TextBox 7">
-            <a:extLst>
-              <a:ext uri="{FF2B5EF4-FFF2-40B4-BE49-F238E27FC236}">
-                <a16:creationId xmlns:a16="http://schemas.microsoft.com/office/drawing/2014/main" id="{01B7C9DD-679A-4ADE-A813-DA9A009101D4}"/>
-              </a:ext>
-            </a:extLst>
-          </p:cNvPr>
-          <p:cNvSpPr txBox="1"/>
-          <p:nvPr/>
-        </p:nvSpPr>
-        <p:spPr>
-          <a:xfrm>
-            <a:off x="2417649" y="4148524"/>
-            <a:ext cx="5489261" cy="461665"/>
-          </a:xfrm>
-          <a:prstGeom prst="rect">
-            <a:avLst/>
-          </a:prstGeom>
-          <a:noFill/>
-        </p:spPr>
-        <p:txBody>
-          <a:bodyPr wrap="square" rtlCol="0">
-            <a:spAutoFit/>
-          </a:bodyPr>
-          <a:lstStyle/>
-          <a:p>
-            <a:r>
-              <a:rPr lang="en-GB" sz="2400" dirty="0"/>
-              <a:t>Email when the job is done</a:t>
-            </a:r>
-          </a:p>
-        </p:txBody>
-      </p:sp>
-      <p:cxnSp>
-        <p:nvCxnSpPr>
-          <p:cNvPr id="9" name="Straight Arrow Connector 8">
-            <a:extLst>
-              <a:ext uri="{FF2B5EF4-FFF2-40B4-BE49-F238E27FC236}">
-                <a16:creationId xmlns:a16="http://schemas.microsoft.com/office/drawing/2014/main" id="{6B67CBE9-AE0A-45D8-BA9A-C82F21B4825B}"/>
-              </a:ext>
-            </a:extLst>
-          </p:cNvPr>
-          <p:cNvCxnSpPr/>
-          <p:nvPr/>
-        </p:nvCxnSpPr>
-        <p:spPr>
-          <a:xfrm>
-            <a:off x="5748337" y="4498221"/>
-            <a:ext cx="347663" cy="481958"/>
-          </a:xfrm>
-          <a:prstGeom prst="straightConnector1">
-            <a:avLst/>
-          </a:prstGeom>
-          <a:ln>
-            <a:tailEnd type="triangle"/>
-          </a:ln>
-        </p:spPr>
-        <p:style>
-          <a:lnRef idx="1">
-            <a:schemeClr val="accent1"/>
-          </a:lnRef>
-          <a:fillRef idx="0">
-            <a:schemeClr val="accent1"/>
-          </a:fillRef>
-          <a:effectRef idx="0">
-            <a:schemeClr val="accent1"/>
-          </a:effectRef>
-          <a:fontRef idx="minor">
-            <a:schemeClr val="tx1"/>
-          </a:fontRef>
-        </p:style>
-      </p:cxnSp>
+              <a:t>#!/bin/bash -l</a:t>
+            </a:r>
+          </a:p>
+          <a:p>
+            <a:r>
+              <a:rPr lang="en-GB" dirty="0"/>
+              <a:t>#SBATCH -J </a:t>
+            </a:r>
+            <a:r>
+              <a:rPr lang="en-GB" dirty="0" err="1"/>
+              <a:t>SPADES_cb</a:t>
+            </a:r>
+            <a:r>
+              <a:rPr lang="en-GB" dirty="0"/>
+              <a:t>   #jobname</a:t>
+            </a:r>
+          </a:p>
+          <a:p>
+            <a:r>
+              <a:rPr lang="en-GB" dirty="0"/>
+              <a:t>#SBATCH -N 1     #node</a:t>
+            </a:r>
+          </a:p>
+          <a:p>
+            <a:r>
+              <a:rPr lang="en-GB" dirty="0"/>
+              <a:t>#SBATCH --tasks-per-node=48</a:t>
+            </a:r>
+          </a:p>
+          <a:p>
+            <a:r>
+              <a:rPr lang="en-GB" dirty="0"/>
+              <a:t>#SBATCH -p </a:t>
+            </a:r>
+            <a:r>
+              <a:rPr lang="en-GB" dirty="0" err="1"/>
+              <a:t>bigmem</a:t>
+            </a:r>
+            <a:endParaRPr lang="en-GB" dirty="0"/>
+          </a:p>
+          <a:p>
+            <a:r>
+              <a:rPr lang="en-GB" dirty="0"/>
+              <a:t>#SBATCH --</a:t>
+            </a:r>
+            <a:r>
+              <a:rPr lang="en-GB" dirty="0" err="1"/>
+              <a:t>nodelist</a:t>
+            </a:r>
+            <a:r>
+              <a:rPr lang="en-GB" dirty="0"/>
+              <a:t>=kennedy150</a:t>
+            </a:r>
+          </a:p>
+          <a:p>
+            <a:r>
+              <a:rPr lang="en-GB" dirty="0"/>
+              <a:t>#SBATCH --mem=1450GB</a:t>
+            </a:r>
+          </a:p>
+        </p:txBody>
+      </p:sp>
     </p:spTree>
     <p:extLst>
       <p:ext uri="{BB962C8B-B14F-4D97-AF65-F5344CB8AC3E}">
-        <p14:creationId xmlns:p14="http://schemas.microsoft.com/office/powerpoint/2010/main" val="1264950448"/>
+        <p14:creationId xmlns:p14="http://schemas.microsoft.com/office/powerpoint/2010/main" val="1554936030"/>
       </p:ext>
     </p:extLst>
   </p:cSld>
@@ -7516,7 +7705,7 @@
           <p:cNvPr id="2" name="Title 1">
             <a:extLst>
               <a:ext uri="{FF2B5EF4-FFF2-40B4-BE49-F238E27FC236}">
-                <a16:creationId xmlns:a16="http://schemas.microsoft.com/office/drawing/2014/main" id="{8855E32C-F685-402A-A06D-3501A3000227}"/>
+                <a16:creationId xmlns:a16="http://schemas.microsoft.com/office/drawing/2014/main" id="{E1A2EA9D-F2D8-4F25-8834-51DB3B4FE6E8}"/>
               </a:ext>
             </a:extLst>
           </p:cNvPr>
@@ -7527,113 +7716,238 @@
             <p:ph type="title"/>
           </p:nvPr>
         </p:nvSpPr>
+        <p:spPr/>
+        <p:txBody>
+          <a:bodyPr/>
+          <a:lstStyle/>
+          <a:p>
+            <a:r>
+              <a:rPr lang="en-GB" b="1" dirty="0"/>
+              <a:t>submit a job </a:t>
+            </a:r>
+          </a:p>
+        </p:txBody>
+      </p:sp>
+      <p:sp>
+        <p:nvSpPr>
+          <p:cNvPr id="3" name="Content Placeholder 2">
+            <a:extLst>
+              <a:ext uri="{FF2B5EF4-FFF2-40B4-BE49-F238E27FC236}">
+                <a16:creationId xmlns:a16="http://schemas.microsoft.com/office/drawing/2014/main" id="{573D2F78-A2FD-49FA-8EF9-E056FE0D3BEB}"/>
+              </a:ext>
+            </a:extLst>
+          </p:cNvPr>
+          <p:cNvSpPr>
+            <a:spLocks noGrp="1"/>
+          </p:cNvSpPr>
+          <p:nvPr>
+            <p:ph idx="1"/>
+          </p:nvPr>
+        </p:nvSpPr>
         <p:spPr>
           <a:xfrm>
-            <a:off x="-352423" y="-155575"/>
-            <a:ext cx="11515723" cy="1325563"/>
-          </a:xfrm>
-        </p:spPr>
-        <p:txBody>
-          <a:bodyPr/>
-          <a:lstStyle/>
-          <a:p>
-            <a:pPr algn="ctr"/>
-            <a:r>
-              <a:rPr lang="en-GB" dirty="0">
-                <a:solidFill>
-                  <a:srgbClr val="7030A0"/>
-                </a:solidFill>
-              </a:rPr>
-              <a:t>4) Shell scripting: </a:t>
-            </a:r>
+            <a:off x="397565" y="1560443"/>
+            <a:ext cx="10956235" cy="4616520"/>
+          </a:xfrm>
+        </p:spPr>
+        <p:txBody>
+          <a:bodyPr>
+            <a:normAutofit fontScale="92500" lnSpcReduction="20000"/>
+          </a:bodyPr>
+          <a:lstStyle/>
+          <a:p>
             <a:r>
               <a:rPr lang="en-GB" dirty="0" err="1">
                 <a:solidFill>
-                  <a:srgbClr val="7030A0"/>
-                </a:solidFill>
-              </a:rPr>
-              <a:t>nano</a:t>
-            </a:r>
-            <a:r>
-              <a:rPr lang="en-GB" dirty="0">
-                <a:solidFill>
-                  <a:srgbClr val="7030A0"/>
-                </a:solidFill>
-              </a:rPr>
-              <a:t> command line editor</a:t>
-            </a:r>
-          </a:p>
-        </p:txBody>
-      </p:sp>
-      <p:sp>
-        <p:nvSpPr>
-          <p:cNvPr id="3" name="Content Placeholder 2">
-            <a:extLst>
-              <a:ext uri="{FF2B5EF4-FFF2-40B4-BE49-F238E27FC236}">
-                <a16:creationId xmlns:a16="http://schemas.microsoft.com/office/drawing/2014/main" id="{71E90A55-B2F4-457C-A749-172D08E80ABC}"/>
-              </a:ext>
-            </a:extLst>
-          </p:cNvPr>
-          <p:cNvSpPr>
-            <a:spLocks noGrp="1"/>
-          </p:cNvSpPr>
-          <p:nvPr>
-            <p:ph idx="1"/>
-          </p:nvPr>
-        </p:nvSpPr>
-        <p:spPr>
-          <a:xfrm>
-            <a:off x="409937" y="1107272"/>
-            <a:ext cx="10515600" cy="4351338"/>
-          </a:xfrm>
-        </p:spPr>
-        <p:txBody>
-          <a:bodyPr/>
-          <a:lstStyle/>
+                  <a:srgbClr val="FF0000"/>
+                </a:solidFill>
+              </a:rPr>
+              <a:t>sbatch</a:t>
+            </a:r>
+            <a:r>
+              <a:rPr lang="en-GB" dirty="0"/>
+              <a:t> spades.sh</a:t>
+            </a:r>
+          </a:p>
+          <a:p>
+            <a:pPr marL="0" indent="0">
+              <a:buNone/>
+            </a:pPr>
+            <a:r>
+              <a:rPr lang="en-GB" b="1" dirty="0"/>
+              <a:t>Show information on the queues:</a:t>
+            </a:r>
+          </a:p>
           <a:p>
             <a:r>
               <a:rPr lang="en-GB" dirty="0" err="1"/>
-              <a:t>nano</a:t>
-            </a:r>
-            <a:r>
-              <a:rPr lang="en-GB" dirty="0"/>
-              <a:t> by default is black and white. However if you want colours, which I do, copy the </a:t>
-            </a:r>
-            <a:r>
-              <a:rPr lang="en-GB" dirty="0">
+              <a:t>smap</a:t>
+            </a:r>
+            <a:endParaRPr lang="en-GB" dirty="0"/>
+          </a:p>
+          <a:p>
+            <a:r>
+              <a:rPr lang="en-GB" dirty="0" err="1"/>
+              <a:t>squeue</a:t>
+            </a:r>
+            <a:r>
+              <a:rPr lang="en-GB" dirty="0"/>
+              <a:t>  (show the queue)</a:t>
+            </a:r>
+          </a:p>
+          <a:p>
+            <a:r>
+              <a:rPr lang="en-GB" dirty="0" err="1"/>
+              <a:t>squeue</a:t>
+            </a:r>
+            <a:r>
+              <a:rPr lang="en-GB" dirty="0"/>
+              <a:t> -p </a:t>
+            </a:r>
+            <a:r>
+              <a:rPr lang="en-GB" dirty="0" err="1"/>
+              <a:t>bigmem</a:t>
+            </a:r>
+            <a:r>
+              <a:rPr lang="en-GB" dirty="0"/>
+              <a:t>  (show the queue for big mem)</a:t>
+            </a:r>
+          </a:p>
+          <a:p>
+            <a:r>
+              <a:rPr lang="en-GB" dirty="0" err="1"/>
+              <a:t>sview</a:t>
+            </a:r>
+            <a:endParaRPr lang="en-GB" dirty="0"/>
+          </a:p>
+          <a:p>
+            <a:endParaRPr lang="en-GB" dirty="0"/>
+          </a:p>
+          <a:p>
+            <a:pPr marL="0" indent="0">
+              <a:buNone/>
+            </a:pPr>
+            <a:r>
+              <a:rPr lang="en-GB" b="1" u="sng" dirty="0"/>
+              <a:t>Interactive mode </a:t>
+            </a:r>
+            <a:r>
+              <a:rPr lang="en-GB" dirty="0"/>
+              <a:t>(like </a:t>
+            </a:r>
+            <a:r>
+              <a:rPr lang="en-GB" dirty="0" err="1"/>
+              <a:t>qrsh</a:t>
+            </a:r>
+            <a:r>
+              <a:rPr lang="en-GB" dirty="0"/>
+              <a:t>):</a:t>
+            </a:r>
+          </a:p>
+          <a:p>
+            <a:r>
+              <a:rPr lang="en-GB" dirty="0" err="1">
                 <a:solidFill>
                   <a:srgbClr val="FF0000"/>
                 </a:solidFill>
               </a:rPr>
-              <a:t>.</a:t>
-            </a:r>
+              <a:t>srun</a:t>
+            </a:r>
+            <a:r>
+              <a:rPr lang="en-GB" dirty="0"/>
+              <a:t> -p </a:t>
+            </a:r>
+            <a:r>
+              <a:rPr lang="en-GB" dirty="0" err="1"/>
+              <a:t>bigmem</a:t>
+            </a:r>
+            <a:r>
+              <a:rPr lang="en-GB" dirty="0"/>
+              <a:t> --</a:t>
+            </a:r>
+            <a:r>
+              <a:rPr lang="en-GB" dirty="0" err="1"/>
+              <a:t>pty</a:t>
+            </a:r>
+            <a:r>
+              <a:rPr lang="en-GB" dirty="0"/>
+              <a:t> bash           (</a:t>
+            </a:r>
+            <a:r>
+              <a:rPr lang="en-GB" dirty="0" err="1"/>
+              <a:t>Bioinf</a:t>
+            </a:r>
+            <a:r>
+              <a:rPr lang="en-GB" dirty="0"/>
+              <a:t> user : use the </a:t>
+            </a:r>
+            <a:r>
+              <a:rPr lang="en-GB" dirty="0" err="1"/>
+              <a:t>bigmem</a:t>
+            </a:r>
+            <a:r>
+              <a:rPr lang="en-GB" dirty="0"/>
+              <a:t> q)</a:t>
+            </a:r>
+          </a:p>
+          <a:p>
             <a:r>
               <a:rPr lang="en-GB" dirty="0" err="1">
                 <a:solidFill>
                   <a:srgbClr val="FF0000"/>
                 </a:solidFill>
               </a:rPr>
-              <a:t>nanorc</a:t>
-            </a:r>
-            <a:r>
-              <a:rPr lang="en-GB" dirty="0">
+              <a:t>srun</a:t>
+            </a:r>
+            <a:r>
+              <a:rPr lang="en-GB" dirty="0"/>
+              <a:t> -p </a:t>
+            </a:r>
+            <a:r>
+              <a:rPr lang="en-GB" dirty="0" err="1"/>
+              <a:t>bigmem</a:t>
+            </a:r>
+            <a:r>
+              <a:rPr lang="en-GB" dirty="0"/>
+              <a:t>  --tasks-per-node=20 --</a:t>
+            </a:r>
+            <a:r>
+              <a:rPr lang="en-GB" dirty="0" err="1"/>
+              <a:t>pty</a:t>
+            </a:r>
+            <a:r>
+              <a:rPr lang="en-GB" dirty="0"/>
+              <a:t> bash</a:t>
+            </a:r>
+          </a:p>
+          <a:p>
+            <a:r>
+              <a:rPr lang="en-GB" dirty="0" err="1">
                 <a:solidFill>
                   <a:srgbClr val="FF0000"/>
                 </a:solidFill>
               </a:rPr>
-              <a:t> </a:t>
-            </a:r>
-            <a:r>
-              <a:rPr lang="en-GB" dirty="0"/>
-              <a:t>file from with the ./</a:t>
+              <a:t>srun</a:t>
+            </a:r>
+            <a:r>
+              <a:rPr lang="en-GB" dirty="0"/>
+              <a:t> -p </a:t>
             </a:r>
             <a:r>
               <a:rPr lang="en-GB" dirty="0" err="1"/>
-              <a:t>ngs</a:t>
-            </a:r>
-            <a:r>
-              <a:rPr lang="en-GB" dirty="0"/>
-              <a:t> folder to your home directory:</a:t>
+              <a:t>bigmem</a:t>
+            </a:r>
+            <a:r>
+              <a:rPr lang="en-GB" dirty="0"/>
+              <a:t>  --tasks-per-node=20 --mem=100GB --</a:t>
+            </a:r>
+            <a:r>
+              <a:rPr lang="en-GB" dirty="0" err="1"/>
+              <a:t>pty</a:t>
+            </a:r>
+            <a:r>
+              <a:rPr lang="en-GB" dirty="0"/>
+              <a:t> bash</a:t>
             </a:r>
           </a:p>
           <a:p>
@@ -7643,196 +7957,20 @@
             <a:pPr marL="0" indent="0">
               <a:buNone/>
             </a:pPr>
-            <a:r>
-              <a:rPr lang="en-GB" dirty="0">
-                <a:solidFill>
-                  <a:srgbClr val="0070C0"/>
-                </a:solidFill>
-              </a:rPr>
-              <a:t>        </a:t>
-            </a:r>
-            <a:r>
-              <a:rPr lang="en-GB" dirty="0" err="1">
-                <a:solidFill>
-                  <a:srgbClr val="0070C0"/>
-                </a:solidFill>
-              </a:rPr>
-              <a:t>cp</a:t>
-            </a:r>
-            <a:r>
-              <a:rPr lang="en-GB" dirty="0">
-                <a:solidFill>
-                  <a:srgbClr val="0070C0"/>
-                </a:solidFill>
-              </a:rPr>
-              <a:t> ./.</a:t>
-            </a:r>
-            <a:r>
-              <a:rPr lang="en-GB" dirty="0" err="1">
-                <a:solidFill>
-                  <a:srgbClr val="0070C0"/>
-                </a:solidFill>
-              </a:rPr>
-              <a:t>nanorc</a:t>
-            </a:r>
-            <a:r>
-              <a:rPr lang="en-GB" dirty="0">
-                <a:solidFill>
-                  <a:srgbClr val="0070C0"/>
-                </a:solidFill>
-              </a:rPr>
-              <a:t> ~/</a:t>
-            </a:r>
-          </a:p>
-          <a:p>
-            <a:pPr marL="0" indent="0">
-              <a:buNone/>
-            </a:pPr>
-            <a:endParaRPr lang="en-GB" dirty="0">
-              <a:solidFill>
-                <a:srgbClr val="0070C0"/>
-              </a:solidFill>
-            </a:endParaRPr>
-          </a:p>
-          <a:p>
-            <a:pPr marL="0" indent="0">
-              <a:buNone/>
-            </a:pPr>
-            <a:r>
-              <a:rPr lang="en-GB" sz="2400" dirty="0"/>
-              <a:t>(Copy, from here, a file called, to my home)</a:t>
-            </a:r>
-          </a:p>
-        </p:txBody>
-      </p:sp>
-      <p:pic>
-        <p:nvPicPr>
-          <p:cNvPr id="4" name="Picture 3">
-            <a:extLst>
-              <a:ext uri="{FF2B5EF4-FFF2-40B4-BE49-F238E27FC236}">
-                <a16:creationId xmlns:a16="http://schemas.microsoft.com/office/drawing/2014/main" id="{6840FE05-EE27-4BD9-B509-C588EB993695}"/>
-              </a:ext>
-            </a:extLst>
-          </p:cNvPr>
-          <p:cNvPicPr>
-            <a:picLocks noChangeAspect="1"/>
-          </p:cNvPicPr>
-          <p:nvPr/>
-        </p:nvPicPr>
-        <p:blipFill rotWithShape="1">
-          <a:blip r:embed="rId2">
-            <a:extLst>
-              <a:ext uri="{28A0092B-C50C-407E-A947-70E740481C1C}">
-                <a14:useLocalDpi xmlns:a14="http://schemas.microsoft.com/office/drawing/2010/main" val="0"/>
-              </a:ext>
-            </a:extLst>
-          </a:blip>
-          <a:srcRect/>
-          <a:stretch/>
-        </p:blipFill>
-        <p:spPr>
-          <a:xfrm>
-            <a:off x="6323668" y="2025570"/>
-            <a:ext cx="5629122" cy="4817961"/>
-          </a:xfrm>
-          <a:prstGeom prst="rect">
-            <a:avLst/>
-          </a:prstGeom>
-        </p:spPr>
-      </p:pic>
-      <p:cxnSp>
-        <p:nvCxnSpPr>
-          <p:cNvPr id="6" name="Straight Arrow Connector 5">
-            <a:extLst>
-              <a:ext uri="{FF2B5EF4-FFF2-40B4-BE49-F238E27FC236}">
-                <a16:creationId xmlns:a16="http://schemas.microsoft.com/office/drawing/2014/main" id="{3B4049F0-6DA8-4E38-B7C2-F8588D8ACA8A}"/>
-              </a:ext>
-            </a:extLst>
-          </p:cNvPr>
-          <p:cNvCxnSpPr/>
-          <p:nvPr/>
-        </p:nvCxnSpPr>
-        <p:spPr>
-          <a:xfrm flipV="1">
-            <a:off x="2057400" y="3343275"/>
-            <a:ext cx="0" cy="447675"/>
-          </a:xfrm>
-          <a:prstGeom prst="straightConnector1">
-            <a:avLst/>
-          </a:prstGeom>
-          <a:ln>
-            <a:tailEnd type="triangle"/>
-          </a:ln>
-        </p:spPr>
-        <p:style>
-          <a:lnRef idx="1">
-            <a:schemeClr val="accent1"/>
-          </a:lnRef>
-          <a:fillRef idx="0">
-            <a:schemeClr val="accent1"/>
-          </a:fillRef>
-          <a:effectRef idx="0">
-            <a:schemeClr val="accent1"/>
-          </a:effectRef>
-          <a:fontRef idx="minor">
-            <a:schemeClr val="tx1"/>
-          </a:fontRef>
-        </p:style>
-      </p:cxnSp>
-      <p:sp>
-        <p:nvSpPr>
-          <p:cNvPr id="7" name="TextBox 6">
-            <a:extLst>
-              <a:ext uri="{FF2B5EF4-FFF2-40B4-BE49-F238E27FC236}">
-                <a16:creationId xmlns:a16="http://schemas.microsoft.com/office/drawing/2014/main" id="{69ACC8EB-2CF1-44A7-B093-361A84228C8F}"/>
-              </a:ext>
-            </a:extLst>
-          </p:cNvPr>
-          <p:cNvSpPr txBox="1"/>
-          <p:nvPr/>
-        </p:nvSpPr>
-        <p:spPr>
-          <a:xfrm>
-            <a:off x="10350500" y="0"/>
-            <a:ext cx="1841500" cy="584775"/>
-          </a:xfrm>
-          <a:prstGeom prst="rect">
-            <a:avLst/>
-          </a:prstGeom>
-          <a:noFill/>
-        </p:spPr>
-        <p:txBody>
-          <a:bodyPr wrap="square" rtlCol="0">
-            <a:spAutoFit/>
-          </a:bodyPr>
-          <a:lstStyle/>
-          <a:p>
-            <a:r>
-              <a:rPr lang="en-GB" sz="3200" dirty="0">
-                <a:solidFill>
-                  <a:srgbClr val="FF0000"/>
-                </a:solidFill>
-                <a:highlight>
-                  <a:srgbClr val="FFFF00"/>
-                </a:highlight>
-              </a:rPr>
-              <a:t>ACTIVITY</a:t>
-            </a:r>
-            <a:endParaRPr lang="en-GB" sz="2800" dirty="0">
-              <a:solidFill>
-                <a:srgbClr val="FF0000"/>
-              </a:solidFill>
-              <a:highlight>
-                <a:srgbClr val="FFFF00"/>
-              </a:highlight>
-            </a:endParaRPr>
+            <a:endParaRPr lang="en-GB" dirty="0"/>
+          </a:p>
+          <a:p>
+            <a:endParaRPr lang="en-GB" dirty="0"/>
+          </a:p>
+          <a:p>
+            <a:endParaRPr lang="en-GB" dirty="0"/>
           </a:p>
         </p:txBody>
       </p:sp>
     </p:spTree>
     <p:extLst>
       <p:ext uri="{BB962C8B-B14F-4D97-AF65-F5344CB8AC3E}">
-        <p14:creationId xmlns:p14="http://schemas.microsoft.com/office/powerpoint/2010/main" val="3825622668"/>
+        <p14:creationId xmlns:p14="http://schemas.microsoft.com/office/powerpoint/2010/main" val="1099536850"/>
       </p:ext>
     </p:extLst>
   </p:cSld>
@@ -7864,7 +8002,7 @@
           <p:cNvPr id="2" name="Title 1">
             <a:extLst>
               <a:ext uri="{FF2B5EF4-FFF2-40B4-BE49-F238E27FC236}">
-                <a16:creationId xmlns:a16="http://schemas.microsoft.com/office/drawing/2014/main" id="{C81A3A91-7B42-45E2-AF0C-1ABEDCB0CE20}"/>
+                <a16:creationId xmlns:a16="http://schemas.microsoft.com/office/drawing/2014/main" id="{5ECE6CC0-E480-4C0D-BAC9-27356C5EBB65}"/>
               </a:ext>
             </a:extLst>
           </p:cNvPr>
@@ -7877,222 +8015,158 @@
         </p:nvSpPr>
         <p:spPr>
           <a:xfrm>
-            <a:off x="590550" y="102968"/>
-            <a:ext cx="11823700" cy="1325563"/>
+            <a:off x="-695325" y="-225653"/>
+            <a:ext cx="12887325" cy="1325563"/>
           </a:xfrm>
         </p:spPr>
         <p:txBody>
           <a:bodyPr/>
           <a:lstStyle/>
           <a:p>
+            <a:pPr algn="ctr"/>
             <a:r>
               <a:rPr lang="en-GB" dirty="0">
                 <a:solidFill>
                   <a:srgbClr val="7030A0"/>
                 </a:solidFill>
               </a:rPr>
-              <a:t>4) Shell scripting: The .</a:t>
-            </a:r>
-            <a:r>
-              <a:rPr lang="en-GB" dirty="0" err="1">
-                <a:solidFill>
-                  <a:srgbClr val="7030A0"/>
-                </a:solidFill>
-              </a:rPr>
-              <a:t>sh</a:t>
+              <a:t>4) Shell scripting: Help - what command</a:t>
+            </a:r>
+          </a:p>
+        </p:txBody>
+      </p:sp>
+      <p:sp>
+        <p:nvSpPr>
+          <p:cNvPr id="5" name="Content Placeholder 4">
+            <a:extLst>
+              <a:ext uri="{FF2B5EF4-FFF2-40B4-BE49-F238E27FC236}">
+                <a16:creationId xmlns:a16="http://schemas.microsoft.com/office/drawing/2014/main" id="{E20FE9B9-E20E-4F94-98A7-A76C1BD56717}"/>
+              </a:ext>
+            </a:extLst>
+          </p:cNvPr>
+          <p:cNvSpPr>
+            <a:spLocks noGrp="1"/>
+          </p:cNvSpPr>
+          <p:nvPr>
+            <p:ph idx="1"/>
+          </p:nvPr>
+        </p:nvSpPr>
+        <p:spPr>
+          <a:xfrm>
+            <a:off x="331124" y="1193857"/>
+            <a:ext cx="10515600" cy="4351338"/>
+          </a:xfrm>
+        </p:spPr>
+        <p:txBody>
+          <a:bodyPr/>
+          <a:lstStyle/>
+          <a:p>
+            <a:r>
+              <a:rPr lang="en-GB" dirty="0"/>
+              <a:t>The get info on what command you need to run from your tool and parameter.</a:t>
+            </a:r>
+          </a:p>
+          <a:p>
+            <a:r>
+              <a:rPr lang="en-GB" dirty="0"/>
+              <a:t>Type: </a:t>
+            </a:r>
+            <a:r>
+              <a:rPr lang="en-GB" i="1" dirty="0" err="1">
+                <a:solidFill>
+                  <a:srgbClr val="0070C0"/>
+                </a:solidFill>
+              </a:rPr>
+              <a:t>tool_name</a:t>
+            </a:r>
+            <a:r>
+              <a:rPr lang="en-GB" i="1" dirty="0">
+                <a:solidFill>
+                  <a:srgbClr val="0070C0"/>
+                </a:solidFill>
+              </a:rPr>
+              <a:t> </a:t>
             </a:r>
             <a:r>
               <a:rPr lang="en-GB" dirty="0">
                 <a:solidFill>
-                  <a:srgbClr val="7030A0"/>
-                </a:solidFill>
-              </a:rPr>
-              <a:t> script has to be “executable”</a:t>
-            </a:r>
-          </a:p>
-        </p:txBody>
-      </p:sp>
-      <p:sp>
-        <p:nvSpPr>
-          <p:cNvPr id="3" name="Content Placeholder 2">
-            <a:extLst>
-              <a:ext uri="{FF2B5EF4-FFF2-40B4-BE49-F238E27FC236}">
-                <a16:creationId xmlns:a16="http://schemas.microsoft.com/office/drawing/2014/main" id="{9FC71EF4-1728-429F-AEAF-B2352A04F976}"/>
-              </a:ext>
-            </a:extLst>
-          </p:cNvPr>
-          <p:cNvSpPr>
-            <a:spLocks noGrp="1"/>
-          </p:cNvSpPr>
-          <p:nvPr>
-            <p:ph idx="1"/>
-          </p:nvPr>
-        </p:nvSpPr>
+                  <a:srgbClr val="0070C0"/>
+                </a:solidFill>
+              </a:rPr>
+              <a:t>-h </a:t>
+            </a:r>
+            <a:r>
+              <a:rPr lang="en-GB" dirty="0"/>
+              <a:t>or (</a:t>
+            </a:r>
+            <a:r>
+              <a:rPr lang="en-GB" dirty="0">
+                <a:solidFill>
+                  <a:srgbClr val="0070C0"/>
+                </a:solidFill>
+              </a:rPr>
+              <a:t>--help, --h</a:t>
+            </a:r>
+            <a:r>
+              <a:rPr lang="en-GB" dirty="0"/>
+              <a:t>)        - some permutation of that</a:t>
+            </a:r>
+          </a:p>
+          <a:p>
+            <a:r>
+              <a:rPr lang="en-GB" dirty="0"/>
+              <a:t>Or look up the usage on their website. </a:t>
+            </a:r>
+          </a:p>
+        </p:txBody>
+      </p:sp>
+      <p:cxnSp>
+        <p:nvCxnSpPr>
+          <p:cNvPr id="6" name="Straight Arrow Connector 5">
+            <a:extLst>
+              <a:ext uri="{FF2B5EF4-FFF2-40B4-BE49-F238E27FC236}">
+                <a16:creationId xmlns:a16="http://schemas.microsoft.com/office/drawing/2014/main" id="{D26653F2-EDC5-454D-B4B9-A4BF5901E0F6}"/>
+              </a:ext>
+            </a:extLst>
+          </p:cNvPr>
+          <p:cNvCxnSpPr>
+            <a:cxnSpLocks/>
+          </p:cNvCxnSpPr>
+          <p:nvPr/>
+        </p:nvCxnSpPr>
         <p:spPr>
           <a:xfrm>
-            <a:off x="216568" y="1411288"/>
-            <a:ext cx="11607132" cy="5156199"/>
-          </a:xfrm>
-        </p:spPr>
-        <p:txBody>
-          <a:bodyPr>
-            <a:normAutofit/>
-          </a:bodyPr>
-          <a:lstStyle/>
-          <a:p>
-            <a:r>
-              <a:rPr lang="en-GB" dirty="0"/>
-              <a:t>Type:</a:t>
-            </a:r>
-          </a:p>
-          <a:p>
-            <a:pPr marL="0" indent="0">
-              <a:buNone/>
-            </a:pPr>
-            <a:r>
-              <a:rPr lang="en-GB" dirty="0">
-                <a:solidFill>
-                  <a:srgbClr val="0070C0"/>
-                </a:solidFill>
-              </a:rPr>
-              <a:t>         </a:t>
-            </a:r>
-            <a:r>
-              <a:rPr lang="en-GB" dirty="0" err="1">
-                <a:solidFill>
-                  <a:srgbClr val="0070C0"/>
-                </a:solidFill>
-              </a:rPr>
-              <a:t>chmod</a:t>
-            </a:r>
-            <a:r>
-              <a:rPr lang="en-GB" dirty="0">
-                <a:solidFill>
-                  <a:srgbClr val="0070C0"/>
-                </a:solidFill>
-              </a:rPr>
-              <a:t> </a:t>
-            </a:r>
-            <a:r>
-              <a:rPr lang="en-GB" dirty="0" err="1">
-                <a:solidFill>
-                  <a:srgbClr val="0070C0"/>
-                </a:solidFill>
-              </a:rPr>
-              <a:t>a+x</a:t>
-            </a:r>
-            <a:r>
-              <a:rPr lang="en-GB" dirty="0">
-                <a:solidFill>
-                  <a:srgbClr val="0070C0"/>
-                </a:solidFill>
-              </a:rPr>
-              <a:t> Example.sh   </a:t>
-            </a:r>
-            <a:r>
-              <a:rPr lang="en-GB" dirty="0"/>
-              <a:t>(if it is not executable it will not run!!!)</a:t>
-            </a:r>
-          </a:p>
-          <a:p>
-            <a:pPr marL="0" indent="0">
-              <a:buNone/>
-            </a:pPr>
-            <a:endParaRPr lang="en-GB" dirty="0">
-              <a:solidFill>
-                <a:srgbClr val="0070C0"/>
-              </a:solidFill>
-            </a:endParaRPr>
-          </a:p>
-          <a:p>
-            <a:pPr marL="0" indent="0">
-              <a:buNone/>
-            </a:pPr>
-            <a:r>
-              <a:rPr lang="en-GB" dirty="0"/>
-              <a:t>Type</a:t>
-            </a:r>
-            <a:r>
-              <a:rPr lang="en-GB" dirty="0">
-                <a:solidFill>
-                  <a:srgbClr val="0070C0"/>
-                </a:solidFill>
-              </a:rPr>
-              <a:t> </a:t>
-            </a:r>
-          </a:p>
-          <a:p>
-            <a:pPr marL="0" indent="0">
-              <a:buNone/>
-            </a:pPr>
-            <a:r>
-              <a:rPr lang="en-GB" dirty="0">
-                <a:solidFill>
-                  <a:srgbClr val="0070C0"/>
-                </a:solidFill>
-              </a:rPr>
-              <a:t>        ls   </a:t>
-            </a:r>
-            <a:r>
-              <a:rPr lang="en-GB" sz="2400" dirty="0"/>
-              <a:t>(</a:t>
-            </a:r>
-            <a:r>
-              <a:rPr lang="en-GB" sz="2400" dirty="0">
-                <a:solidFill>
-                  <a:srgbClr val="00B050"/>
-                </a:solidFill>
-              </a:rPr>
-              <a:t>executable files are green</a:t>
-            </a:r>
-            <a:r>
-              <a:rPr lang="en-GB" sz="2400" dirty="0"/>
-              <a:t>. </a:t>
-            </a:r>
-            <a:r>
-              <a:rPr lang="en-GB" sz="2400" dirty="0">
-                <a:solidFill>
-                  <a:srgbClr val="FF0000"/>
-                </a:solidFill>
-              </a:rPr>
-              <a:t>Compressed = red</a:t>
-            </a:r>
-            <a:r>
-              <a:rPr lang="en-GB" sz="2400" dirty="0"/>
-              <a:t>. Files = white, </a:t>
-            </a:r>
-            <a:r>
-              <a:rPr lang="en-GB" sz="2400" dirty="0">
-                <a:solidFill>
-                  <a:srgbClr val="002060"/>
-                </a:solidFill>
-              </a:rPr>
-              <a:t>Folders = blue</a:t>
-            </a:r>
-            <a:r>
-              <a:rPr lang="en-GB" sz="2400" dirty="0"/>
-              <a:t>)</a:t>
-            </a:r>
-            <a:endParaRPr lang="en-GB" dirty="0"/>
-          </a:p>
-          <a:p>
-            <a:pPr marL="0" indent="0">
-              <a:buNone/>
-            </a:pPr>
-            <a:endParaRPr lang="en-GB" dirty="0">
-              <a:solidFill>
-                <a:srgbClr val="0070C0"/>
-              </a:solidFill>
-            </a:endParaRPr>
-          </a:p>
-        </p:txBody>
-      </p:sp>
-      <p:sp>
-        <p:nvSpPr>
-          <p:cNvPr id="4" name="TextBox 3">
-            <a:extLst>
-              <a:ext uri="{FF2B5EF4-FFF2-40B4-BE49-F238E27FC236}">
-                <a16:creationId xmlns:a16="http://schemas.microsoft.com/office/drawing/2014/main" id="{B4662B38-7115-424B-8193-AB38552519CD}"/>
+            <a:off x="5213233" y="4613559"/>
+            <a:ext cx="1070208" cy="124261"/>
+          </a:xfrm>
+          <a:prstGeom prst="straightConnector1">
+            <a:avLst/>
+          </a:prstGeom>
+          <a:ln>
+            <a:tailEnd type="triangle"/>
+          </a:ln>
+        </p:spPr>
+        <p:style>
+          <a:lnRef idx="1">
+            <a:schemeClr val="accent1"/>
+          </a:lnRef>
+          <a:fillRef idx="0">
+            <a:schemeClr val="accent1"/>
+          </a:fillRef>
+          <a:effectRef idx="0">
+            <a:schemeClr val="accent1"/>
+          </a:effectRef>
+          <a:fontRef idx="minor">
+            <a:schemeClr val="tx1"/>
+          </a:fontRef>
+        </p:style>
+      </p:cxnSp>
+      <p:sp>
+        <p:nvSpPr>
+          <p:cNvPr id="3" name="TextBox 2">
+            <a:extLst>
+              <a:ext uri="{FF2B5EF4-FFF2-40B4-BE49-F238E27FC236}">
+                <a16:creationId xmlns:a16="http://schemas.microsoft.com/office/drawing/2014/main" id="{D91DDC33-AEC3-4916-9122-4652CF1DF836}"/>
               </a:ext>
             </a:extLst>
           </p:cNvPr>
@@ -8101,8 +8175,8 @@
         </p:nvSpPr>
         <p:spPr>
           <a:xfrm>
-            <a:off x="10350500" y="0"/>
-            <a:ext cx="1841500" cy="584775"/>
+            <a:off x="485775" y="3975535"/>
+            <a:ext cx="5489261" cy="1569660"/>
           </a:xfrm>
           <a:prstGeom prst="rect">
             <a:avLst/>
@@ -8116,33 +8190,56 @@
           <a:lstStyle/>
           <a:p>
             <a:r>
-              <a:rPr lang="en-GB" sz="3200" dirty="0">
-                <a:solidFill>
-                  <a:srgbClr val="FF0000"/>
-                </a:solidFill>
-                <a:highlight>
-                  <a:srgbClr val="FFFF00"/>
-                </a:highlight>
-              </a:rPr>
-              <a:t>ACTIVITY</a:t>
-            </a:r>
-            <a:endParaRPr lang="en-GB" sz="2800" dirty="0">
-              <a:solidFill>
-                <a:srgbClr val="FF0000"/>
-              </a:solidFill>
-              <a:highlight>
-                <a:srgbClr val="FFFF00"/>
-              </a:highlight>
-            </a:endParaRPr>
+              <a:rPr lang="en-GB" sz="2400" dirty="0"/>
+              <a:t>Any command entered here will be run</a:t>
+            </a:r>
+          </a:p>
+          <a:p>
+            <a:r>
+              <a:rPr lang="en-GB" sz="2400" dirty="0"/>
+              <a:t>e.g. </a:t>
+            </a:r>
+            <a:r>
+              <a:rPr lang="en-GB" sz="2400" dirty="0">
+                <a:solidFill>
+                  <a:srgbClr val="0070C0"/>
+                </a:solidFill>
+              </a:rPr>
+              <a:t>python myscript.py</a:t>
+            </a:r>
+          </a:p>
+          <a:p>
+            <a:r>
+              <a:rPr lang="en-GB" sz="2400" dirty="0" err="1">
+                <a:solidFill>
+                  <a:srgbClr val="0070C0"/>
+                </a:solidFill>
+              </a:rPr>
+              <a:t>perl</a:t>
+            </a:r>
+            <a:r>
+              <a:rPr lang="en-GB" sz="2400" dirty="0">
+                <a:solidFill>
+                  <a:srgbClr val="0070C0"/>
+                </a:solidFill>
+              </a:rPr>
+              <a:t> myscript.pl</a:t>
+            </a:r>
+          </a:p>
+          <a:p>
+            <a:r>
+              <a:rPr lang="en-GB" sz="2400" dirty="0"/>
+              <a:t>Etc …</a:t>
+            </a:r>
           </a:p>
         </p:txBody>
       </p:sp>
       <p:pic>
         <p:nvPicPr>
-          <p:cNvPr id="5" name="Picture 4">
-            <a:extLst>
-              <a:ext uri="{FF2B5EF4-FFF2-40B4-BE49-F238E27FC236}">
-                <a16:creationId xmlns:a16="http://schemas.microsoft.com/office/drawing/2014/main" id="{6070C17A-C359-446D-A1CA-AA0F2A840BCA}"/>
+          <p:cNvPr id="12" name="Picture 11">
+            <a:extLst>
+              <a:ext uri="{FF2B5EF4-FFF2-40B4-BE49-F238E27FC236}">
+                <a16:creationId xmlns:a16="http://schemas.microsoft.com/office/drawing/2014/main" id="{465666B2-24F8-2CC8-C677-CBEADAC10F60}"/>
               </a:ext>
             </a:extLst>
           </p:cNvPr>
@@ -8152,20 +8249,14 @@
           <p:nvPr/>
         </p:nvPicPr>
         <p:blipFill rotWithShape="1">
-          <a:blip r:embed="rId2">
-            <a:extLst>
-              <a:ext uri="{28A0092B-C50C-407E-A947-70E740481C1C}">
-                <a14:useLocalDpi xmlns:a14="http://schemas.microsoft.com/office/drawing/2010/main" val="0"/>
-              </a:ext>
-            </a:extLst>
-          </a:blip>
-          <a:srcRect/>
+          <a:blip r:embed="rId2"/>
+          <a:srcRect l="70714" t="18225" r="13604" b="44718"/>
           <a:stretch/>
         </p:blipFill>
         <p:spPr>
           <a:xfrm>
-            <a:off x="2882900" y="4676775"/>
-            <a:ext cx="5222750" cy="2078257"/>
+            <a:off x="6356036" y="2845832"/>
+            <a:ext cx="6160556" cy="4094284"/>
           </a:xfrm>
           <a:prstGeom prst="rect">
             <a:avLst/>
@@ -8175,7 +8266,7 @@
     </p:spTree>
     <p:extLst>
       <p:ext uri="{BB962C8B-B14F-4D97-AF65-F5344CB8AC3E}">
-        <p14:creationId xmlns:p14="http://schemas.microsoft.com/office/powerpoint/2010/main" val="3641070766"/>
+        <p14:creationId xmlns:p14="http://schemas.microsoft.com/office/powerpoint/2010/main" val="1264950448"/>
       </p:ext>
     </p:extLst>
   </p:cSld>
@@ -8207,7 +8298,7 @@
           <p:cNvPr id="2" name="Title 1">
             <a:extLst>
               <a:ext uri="{FF2B5EF4-FFF2-40B4-BE49-F238E27FC236}">
-                <a16:creationId xmlns:a16="http://schemas.microsoft.com/office/drawing/2014/main" id="{8DE746B1-9DCE-476E-96FB-95A6E438B391}"/>
+                <a16:creationId xmlns:a16="http://schemas.microsoft.com/office/drawing/2014/main" id="{8855E32C-F685-402A-A06D-3501A3000227}"/>
               </a:ext>
             </a:extLst>
           </p:cNvPr>
@@ -8220,8 +8311,8 @@
         </p:nvSpPr>
         <p:spPr>
           <a:xfrm>
-            <a:off x="0" y="77644"/>
-            <a:ext cx="11353800" cy="1325563"/>
+            <a:off x="-352423" y="-155575"/>
+            <a:ext cx="11515723" cy="1325563"/>
           </a:xfrm>
         </p:spPr>
         <p:txBody>
@@ -8235,7 +8326,163 @@
                   <a:srgbClr val="7030A0"/>
                 </a:solidFill>
               </a:rPr>
-              <a:t>4) Shell scripting: Colours of files - may differ between programs. </a:t>
+              <a:t>4) Shell scripting: </a:t>
+            </a:r>
+            <a:r>
+              <a:rPr lang="en-GB" dirty="0" err="1">
+                <a:solidFill>
+                  <a:srgbClr val="7030A0"/>
+                </a:solidFill>
+              </a:rPr>
+              <a:t>nano</a:t>
+            </a:r>
+            <a:r>
+              <a:rPr lang="en-GB" dirty="0">
+                <a:solidFill>
+                  <a:srgbClr val="7030A0"/>
+                </a:solidFill>
+              </a:rPr>
+              <a:t> command line editor</a:t>
+            </a:r>
+          </a:p>
+        </p:txBody>
+      </p:sp>
+      <p:sp>
+        <p:nvSpPr>
+          <p:cNvPr id="3" name="Content Placeholder 2">
+            <a:extLst>
+              <a:ext uri="{FF2B5EF4-FFF2-40B4-BE49-F238E27FC236}">
+                <a16:creationId xmlns:a16="http://schemas.microsoft.com/office/drawing/2014/main" id="{71E90A55-B2F4-457C-A749-172D08E80ABC}"/>
+              </a:ext>
+            </a:extLst>
+          </p:cNvPr>
+          <p:cNvSpPr>
+            <a:spLocks noGrp="1"/>
+          </p:cNvSpPr>
+          <p:nvPr>
+            <p:ph idx="1"/>
+          </p:nvPr>
+        </p:nvSpPr>
+        <p:spPr>
+          <a:xfrm>
+            <a:off x="409937" y="1107272"/>
+            <a:ext cx="10515600" cy="4351338"/>
+          </a:xfrm>
+        </p:spPr>
+        <p:txBody>
+          <a:bodyPr/>
+          <a:lstStyle/>
+          <a:p>
+            <a:r>
+              <a:rPr lang="en-GB" dirty="0" err="1"/>
+              <a:t>nano</a:t>
+            </a:r>
+            <a:r>
+              <a:rPr lang="en-GB" dirty="0"/>
+              <a:t> by default is black and white. However if you want colours, which I do, copy the </a:t>
+            </a:r>
+            <a:r>
+              <a:rPr lang="en-GB" dirty="0">
+                <a:solidFill>
+                  <a:srgbClr val="FF0000"/>
+                </a:solidFill>
+              </a:rPr>
+              <a:t>.</a:t>
+            </a:r>
+            <a:r>
+              <a:rPr lang="en-GB" dirty="0" err="1">
+                <a:solidFill>
+                  <a:srgbClr val="FF0000"/>
+                </a:solidFill>
+              </a:rPr>
+              <a:t>nanorc</a:t>
+            </a:r>
+            <a:r>
+              <a:rPr lang="en-GB" dirty="0">
+                <a:solidFill>
+                  <a:srgbClr val="FF0000"/>
+                </a:solidFill>
+              </a:rPr>
+              <a:t> </a:t>
+            </a:r>
+            <a:r>
+              <a:rPr lang="en-GB" dirty="0"/>
+              <a:t>file from with the ./</a:t>
+            </a:r>
+            <a:r>
+              <a:rPr lang="en-GB" dirty="0" err="1"/>
+              <a:t>ngs</a:t>
+            </a:r>
+            <a:r>
+              <a:rPr lang="en-GB" dirty="0"/>
+              <a:t> folder to your home directory:</a:t>
+            </a:r>
+          </a:p>
+          <a:p>
+            <a:endParaRPr lang="en-GB" dirty="0"/>
+          </a:p>
+          <a:p>
+            <a:pPr marL="0" indent="0">
+              <a:buNone/>
+            </a:pPr>
+            <a:r>
+              <a:rPr lang="en-GB" dirty="0">
+                <a:solidFill>
+                  <a:srgbClr val="0070C0"/>
+                </a:solidFill>
+              </a:rPr>
+              <a:t>        </a:t>
+            </a:r>
+            <a:r>
+              <a:rPr lang="en-GB" dirty="0" err="1">
+                <a:solidFill>
+                  <a:srgbClr val="0070C0"/>
+                </a:solidFill>
+              </a:rPr>
+              <a:t>cp</a:t>
+            </a:r>
+            <a:r>
+              <a:rPr lang="en-GB" dirty="0">
+                <a:solidFill>
+                  <a:srgbClr val="0070C0"/>
+                </a:solidFill>
+              </a:rPr>
+              <a:t> ./.</a:t>
+            </a:r>
+            <a:r>
+              <a:rPr lang="en-GB" dirty="0" err="1">
+                <a:solidFill>
+                  <a:srgbClr val="0070C0"/>
+                </a:solidFill>
+              </a:rPr>
+              <a:t>nanorc</a:t>
+            </a:r>
+            <a:r>
+              <a:rPr lang="en-GB" dirty="0">
+                <a:solidFill>
+                  <a:srgbClr val="0070C0"/>
+                </a:solidFill>
+              </a:rPr>
+              <a:t> ~/</a:t>
+            </a:r>
+          </a:p>
+          <a:p>
+            <a:pPr marL="0" indent="0">
+              <a:buNone/>
+            </a:pPr>
+            <a:endParaRPr lang="en-GB" dirty="0">
+              <a:solidFill>
+                <a:srgbClr val="0070C0"/>
+              </a:solidFill>
+            </a:endParaRPr>
+          </a:p>
+          <a:p>
+            <a:pPr marL="0" indent="0">
+              <a:buNone/>
+            </a:pPr>
+            <a:r>
+              <a:rPr lang="en-GB" sz="2400" dirty="0"/>
+              <a:t>(Copy, from here, a file called, to my home)</a:t>
             </a:r>
           </a:p>
         </p:txBody>
@@ -8245,7 +8492,7 @@
           <p:cNvPr id="4" name="Picture 3">
             <a:extLst>
               <a:ext uri="{FF2B5EF4-FFF2-40B4-BE49-F238E27FC236}">
-                <a16:creationId xmlns:a16="http://schemas.microsoft.com/office/drawing/2014/main" id="{E1080871-043E-4484-AA92-0F24D82261C5}"/>
+                <a16:creationId xmlns:a16="http://schemas.microsoft.com/office/drawing/2014/main" id="{6840FE05-EE27-4BD9-B509-C588EB993695}"/>
               </a:ext>
             </a:extLst>
           </p:cNvPr>
@@ -8267,143 +8514,20 @@
         </p:blipFill>
         <p:spPr>
           <a:xfrm>
-            <a:off x="3454400" y="2501900"/>
-            <a:ext cx="7340600" cy="2921000"/>
+            <a:off x="6323668" y="2025570"/>
+            <a:ext cx="5629122" cy="4817961"/>
           </a:xfrm>
           <a:prstGeom prst="rect">
             <a:avLst/>
           </a:prstGeom>
         </p:spPr>
       </p:pic>
-      <p:sp>
-        <p:nvSpPr>
-          <p:cNvPr id="5" name="TextBox 4">
-            <a:extLst>
-              <a:ext uri="{FF2B5EF4-FFF2-40B4-BE49-F238E27FC236}">
-                <a16:creationId xmlns:a16="http://schemas.microsoft.com/office/drawing/2014/main" id="{36745D97-E67E-4C41-BD35-F85E4C6B0AF8}"/>
-              </a:ext>
-            </a:extLst>
-          </p:cNvPr>
-          <p:cNvSpPr txBox="1"/>
-          <p:nvPr/>
-        </p:nvSpPr>
-        <p:spPr>
-          <a:xfrm>
-            <a:off x="622300" y="3733800"/>
-            <a:ext cx="2476500" cy="1938992"/>
-          </a:xfrm>
-          <a:prstGeom prst="rect">
-            <a:avLst/>
-          </a:prstGeom>
-          <a:noFill/>
-        </p:spPr>
-        <p:txBody>
-          <a:bodyPr wrap="square" rtlCol="0">
-            <a:spAutoFit/>
-          </a:bodyPr>
-          <a:lstStyle/>
-          <a:p>
-            <a:r>
-              <a:rPr lang="en-GB" sz="2400" dirty="0"/>
-              <a:t>Compressed</a:t>
-            </a:r>
-          </a:p>
-          <a:p>
-            <a:endParaRPr lang="en-GB" sz="2400" dirty="0"/>
-          </a:p>
-          <a:p>
-            <a:r>
-              <a:rPr lang="en-GB" sz="2400" dirty="0"/>
-              <a:t>Just a file</a:t>
-            </a:r>
-          </a:p>
-          <a:p>
-            <a:endParaRPr lang="en-GB" sz="2400" dirty="0"/>
-          </a:p>
-          <a:p>
-            <a:r>
-              <a:rPr lang="en-GB" sz="2400" dirty="0"/>
-              <a:t>folder</a:t>
-            </a:r>
-          </a:p>
-        </p:txBody>
-      </p:sp>
-      <p:sp>
-        <p:nvSpPr>
-          <p:cNvPr id="6" name="TextBox 5">
-            <a:extLst>
-              <a:ext uri="{FF2B5EF4-FFF2-40B4-BE49-F238E27FC236}">
-                <a16:creationId xmlns:a16="http://schemas.microsoft.com/office/drawing/2014/main" id="{29E8E406-BE71-4FC5-B5C1-88004D8AC51B}"/>
-              </a:ext>
-            </a:extLst>
-          </p:cNvPr>
-          <p:cNvSpPr txBox="1"/>
-          <p:nvPr/>
-        </p:nvSpPr>
-        <p:spPr>
-          <a:xfrm>
-            <a:off x="5283200" y="1657628"/>
-            <a:ext cx="2476500" cy="461665"/>
-          </a:xfrm>
-          <a:prstGeom prst="rect">
-            <a:avLst/>
-          </a:prstGeom>
-          <a:noFill/>
-        </p:spPr>
-        <p:txBody>
-          <a:bodyPr wrap="square" rtlCol="0">
-            <a:spAutoFit/>
-          </a:bodyPr>
-          <a:lstStyle/>
-          <a:p>
-            <a:r>
-              <a:rPr lang="en-GB" sz="2400" dirty="0"/>
-              <a:t>executable</a:t>
-            </a:r>
-          </a:p>
-        </p:txBody>
-      </p:sp>
-      <p:sp>
-        <p:nvSpPr>
-          <p:cNvPr id="7" name="TextBox 6">
-            <a:extLst>
-              <a:ext uri="{FF2B5EF4-FFF2-40B4-BE49-F238E27FC236}">
-                <a16:creationId xmlns:a16="http://schemas.microsoft.com/office/drawing/2014/main" id="{077B223B-4F73-440C-94CE-6163E1EFE0EF}"/>
-              </a:ext>
-            </a:extLst>
-          </p:cNvPr>
-          <p:cNvSpPr txBox="1"/>
-          <p:nvPr/>
-        </p:nvSpPr>
-        <p:spPr>
-          <a:xfrm>
-            <a:off x="5054600" y="6092071"/>
-            <a:ext cx="2476500" cy="461665"/>
-          </a:xfrm>
-          <a:prstGeom prst="rect">
-            <a:avLst/>
-          </a:prstGeom>
-          <a:noFill/>
-        </p:spPr>
-        <p:txBody>
-          <a:bodyPr wrap="square" rtlCol="0">
-            <a:spAutoFit/>
-          </a:bodyPr>
-          <a:lstStyle/>
-          <a:p>
-            <a:r>
-              <a:rPr lang="en-GB" sz="2400" dirty="0"/>
-              <a:t>Symbolic link</a:t>
-            </a:r>
-          </a:p>
-        </p:txBody>
-      </p:sp>
       <p:cxnSp>
         <p:nvCxnSpPr>
-          <p:cNvPr id="9" name="Straight Arrow Connector 8">
-            <a:extLst>
-              <a:ext uri="{FF2B5EF4-FFF2-40B4-BE49-F238E27FC236}">
-                <a16:creationId xmlns:a16="http://schemas.microsoft.com/office/drawing/2014/main" id="{B964E002-DD3F-49EE-B2A6-19F84B6596EC}"/>
+          <p:cNvPr id="6" name="Straight Arrow Connector 5">
+            <a:extLst>
+              <a:ext uri="{FF2B5EF4-FFF2-40B4-BE49-F238E27FC236}">
+                <a16:creationId xmlns:a16="http://schemas.microsoft.com/office/drawing/2014/main" id="{3B4049F0-6DA8-4E38-B7C2-F8588D8ACA8A}"/>
               </a:ext>
             </a:extLst>
           </p:cNvPr>
@@ -8411,9 +8535,9 @@
           <p:nvPr/>
         </p:nvCxnSpPr>
         <p:spPr>
-          <a:xfrm>
-            <a:off x="6292850" y="2119293"/>
-            <a:ext cx="228600" cy="2046307"/>
+          <a:xfrm flipV="1">
+            <a:off x="2057400" y="3343275"/>
+            <a:ext cx="0" cy="447675"/>
           </a:xfrm>
           <a:prstGeom prst="straightConnector1">
             <a:avLst/>
@@ -8423,13 +8547,13 @@
           </a:ln>
         </p:spPr>
         <p:style>
-          <a:lnRef idx="3">
+          <a:lnRef idx="1">
             <a:schemeClr val="accent1"/>
           </a:lnRef>
           <a:fillRef idx="0">
             <a:schemeClr val="accent1"/>
           </a:fillRef>
-          <a:effectRef idx="2">
+          <a:effectRef idx="0">
             <a:schemeClr val="accent1"/>
           </a:effectRef>
           <a:fontRef idx="minor">
@@ -8437,174 +8561,60 @@
           </a:fontRef>
         </p:style>
       </p:cxnSp>
-      <p:cxnSp>
-        <p:nvCxnSpPr>
-          <p:cNvPr id="10" name="Straight Arrow Connector 9">
-            <a:extLst>
-              <a:ext uri="{FF2B5EF4-FFF2-40B4-BE49-F238E27FC236}">
-                <a16:creationId xmlns:a16="http://schemas.microsoft.com/office/drawing/2014/main" id="{2492776D-1094-4234-8ECC-8C088FA46346}"/>
-              </a:ext>
-            </a:extLst>
-          </p:cNvPr>
-          <p:cNvCxnSpPr>
-            <a:cxnSpLocks/>
-          </p:cNvCxnSpPr>
+      <p:sp>
+        <p:nvSpPr>
+          <p:cNvPr id="7" name="TextBox 6">
+            <a:extLst>
+              <a:ext uri="{FF2B5EF4-FFF2-40B4-BE49-F238E27FC236}">
+                <a16:creationId xmlns:a16="http://schemas.microsoft.com/office/drawing/2014/main" id="{69ACC8EB-2CF1-44A7-B093-361A84228C8F}"/>
+              </a:ext>
+            </a:extLst>
+          </p:cNvPr>
+          <p:cNvSpPr txBox="1"/>
           <p:nvPr/>
-        </p:nvCxnSpPr>
+        </p:nvSpPr>
         <p:spPr>
           <a:xfrm>
-            <a:off x="2451100" y="3962400"/>
-            <a:ext cx="1052512" cy="141307"/>
-          </a:xfrm>
-          <a:prstGeom prst="straightConnector1">
+            <a:off x="10350500" y="0"/>
+            <a:ext cx="1841500" cy="584775"/>
+          </a:xfrm>
+          <a:prstGeom prst="rect">
             <a:avLst/>
           </a:prstGeom>
-          <a:ln>
-            <a:tailEnd type="triangle"/>
-          </a:ln>
-        </p:spPr>
-        <p:style>
-          <a:lnRef idx="3">
-            <a:schemeClr val="accent1"/>
-          </a:lnRef>
-          <a:fillRef idx="0">
-            <a:schemeClr val="accent1"/>
-          </a:fillRef>
-          <a:effectRef idx="2">
-            <a:schemeClr val="accent1"/>
-          </a:effectRef>
-          <a:fontRef idx="minor">
-            <a:schemeClr val="tx1"/>
-          </a:fontRef>
-        </p:style>
-      </p:cxnSp>
-      <p:cxnSp>
-        <p:nvCxnSpPr>
-          <p:cNvPr id="13" name="Straight Arrow Connector 12">
-            <a:extLst>
-              <a:ext uri="{FF2B5EF4-FFF2-40B4-BE49-F238E27FC236}">
-                <a16:creationId xmlns:a16="http://schemas.microsoft.com/office/drawing/2014/main" id="{AD075155-21F3-46B7-8335-78B492E95A26}"/>
-              </a:ext>
-            </a:extLst>
-          </p:cNvPr>
-          <p:cNvCxnSpPr>
-            <a:cxnSpLocks/>
-          </p:cNvCxnSpPr>
-          <p:nvPr/>
-        </p:nvCxnSpPr>
-        <p:spPr>
-          <a:xfrm>
-            <a:off x="2057400" y="4781103"/>
-            <a:ext cx="1567656" cy="0"/>
-          </a:xfrm>
-          <a:prstGeom prst="straightConnector1">
-            <a:avLst/>
-          </a:prstGeom>
-          <a:ln>
-            <a:tailEnd type="triangle"/>
-          </a:ln>
-        </p:spPr>
-        <p:style>
-          <a:lnRef idx="3">
-            <a:schemeClr val="accent1"/>
-          </a:lnRef>
-          <a:fillRef idx="0">
-            <a:schemeClr val="accent1"/>
-          </a:fillRef>
-          <a:effectRef idx="2">
-            <a:schemeClr val="accent1"/>
-          </a:effectRef>
-          <a:fontRef idx="minor">
-            <a:schemeClr val="tx1"/>
-          </a:fontRef>
-        </p:style>
-      </p:cxnSp>
-      <p:cxnSp>
-        <p:nvCxnSpPr>
-          <p:cNvPr id="15" name="Straight Arrow Connector 14">
-            <a:extLst>
-              <a:ext uri="{FF2B5EF4-FFF2-40B4-BE49-F238E27FC236}">
-                <a16:creationId xmlns:a16="http://schemas.microsoft.com/office/drawing/2014/main" id="{0C48D724-F842-4BE2-B07E-64CCE2C8A30D}"/>
-              </a:ext>
-            </a:extLst>
-          </p:cNvPr>
-          <p:cNvCxnSpPr>
-            <a:cxnSpLocks/>
-          </p:cNvCxnSpPr>
-          <p:nvPr/>
-        </p:nvCxnSpPr>
-        <p:spPr>
-          <a:xfrm flipV="1">
-            <a:off x="1667272" y="5130800"/>
-            <a:ext cx="1787128" cy="298003"/>
-          </a:xfrm>
-          <a:prstGeom prst="straightConnector1">
-            <a:avLst/>
-          </a:prstGeom>
-          <a:ln>
-            <a:tailEnd type="triangle"/>
-          </a:ln>
-        </p:spPr>
-        <p:style>
-          <a:lnRef idx="3">
-            <a:schemeClr val="accent1"/>
-          </a:lnRef>
-          <a:fillRef idx="0">
-            <a:schemeClr val="accent1"/>
-          </a:fillRef>
-          <a:effectRef idx="2">
-            <a:schemeClr val="accent1"/>
-          </a:effectRef>
-          <a:fontRef idx="minor">
-            <a:schemeClr val="tx1"/>
-          </a:fontRef>
-        </p:style>
-      </p:cxnSp>
-      <p:cxnSp>
-        <p:nvCxnSpPr>
-          <p:cNvPr id="17" name="Straight Arrow Connector 16">
-            <a:extLst>
-              <a:ext uri="{FF2B5EF4-FFF2-40B4-BE49-F238E27FC236}">
-                <a16:creationId xmlns:a16="http://schemas.microsoft.com/office/drawing/2014/main" id="{E54A720E-E523-4B3C-B0C0-1A2B2D629E65}"/>
-              </a:ext>
-            </a:extLst>
-          </p:cNvPr>
-          <p:cNvCxnSpPr>
-            <a:cxnSpLocks/>
-          </p:cNvCxnSpPr>
-          <p:nvPr/>
-        </p:nvCxnSpPr>
-        <p:spPr>
-          <a:xfrm flipV="1">
-            <a:off x="5555456" y="5373896"/>
-            <a:ext cx="0" cy="718175"/>
-          </a:xfrm>
-          <a:prstGeom prst="straightConnector1">
-            <a:avLst/>
-          </a:prstGeom>
-          <a:ln>
-            <a:tailEnd type="triangle"/>
-          </a:ln>
-        </p:spPr>
-        <p:style>
-          <a:lnRef idx="3">
-            <a:schemeClr val="accent1"/>
-          </a:lnRef>
-          <a:fillRef idx="0">
-            <a:schemeClr val="accent1"/>
-          </a:fillRef>
-          <a:effectRef idx="2">
-            <a:schemeClr val="accent1"/>
-          </a:effectRef>
-          <a:fontRef idx="minor">
-            <a:schemeClr val="tx1"/>
-          </a:fontRef>
-        </p:style>
-      </p:cxnSp>
+          <a:noFill/>
+        </p:spPr>
+        <p:txBody>
+          <a:bodyPr wrap="square" rtlCol="0">
+            <a:spAutoFit/>
+          </a:bodyPr>
+          <a:lstStyle/>
+          <a:p>
+            <a:r>
+              <a:rPr lang="en-GB" sz="3200" dirty="0">
+                <a:solidFill>
+                  <a:srgbClr val="FF0000"/>
+                </a:solidFill>
+                <a:highlight>
+                  <a:srgbClr val="FFFF00"/>
+                </a:highlight>
+              </a:rPr>
+              <a:t>ACTIVITY</a:t>
+            </a:r>
+            <a:endParaRPr lang="en-GB" sz="2800" dirty="0">
+              <a:solidFill>
+                <a:srgbClr val="FF0000"/>
+              </a:solidFill>
+              <a:highlight>
+                <a:srgbClr val="FFFF00"/>
+              </a:highlight>
+            </a:endParaRPr>
+          </a:p>
+        </p:txBody>
+      </p:sp>
     </p:spTree>
     <p:extLst>
       <p:ext uri="{BB962C8B-B14F-4D97-AF65-F5344CB8AC3E}">
-        <p14:creationId xmlns:p14="http://schemas.microsoft.com/office/powerpoint/2010/main" val="1532243045"/>
+        <p14:creationId xmlns:p14="http://schemas.microsoft.com/office/powerpoint/2010/main" val="3825622668"/>
       </p:ext>
     </p:extLst>
   </p:cSld>
